--- a/PSGG Unity Tutorial #2.pptx
+++ b/PSGG Unity Tutorial #2.pptx
@@ -5,7 +5,7 @@
     <p:sldMasterId id="2147483648" r:id="rId1"/>
   </p:sldMasterIdLst>
   <p:notesMasterIdLst>
-    <p:notesMasterId r:id="rId21"/>
+    <p:notesMasterId r:id="rId19"/>
   </p:notesMasterIdLst>
   <p:sldIdLst>
     <p:sldId id="256" r:id="rId2"/>
@@ -14,19 +14,17 @@
     <p:sldId id="278" r:id="rId5"/>
     <p:sldId id="279" r:id="rId6"/>
     <p:sldId id="280" r:id="rId7"/>
-    <p:sldId id="293" r:id="rId8"/>
-    <p:sldId id="282" r:id="rId9"/>
-    <p:sldId id="281" r:id="rId10"/>
-    <p:sldId id="283" r:id="rId11"/>
-    <p:sldId id="284" r:id="rId12"/>
-    <p:sldId id="285" r:id="rId13"/>
-    <p:sldId id="286" r:id="rId14"/>
-    <p:sldId id="287" r:id="rId15"/>
-    <p:sldId id="288" r:id="rId16"/>
-    <p:sldId id="289" r:id="rId17"/>
-    <p:sldId id="290" r:id="rId18"/>
-    <p:sldId id="291" r:id="rId19"/>
-    <p:sldId id="292" r:id="rId20"/>
+    <p:sldId id="282" r:id="rId8"/>
+    <p:sldId id="281" r:id="rId9"/>
+    <p:sldId id="284" r:id="rId10"/>
+    <p:sldId id="285" r:id="rId11"/>
+    <p:sldId id="293" r:id="rId12"/>
+    <p:sldId id="294" r:id="rId13"/>
+    <p:sldId id="296" r:id="rId14"/>
+    <p:sldId id="295" r:id="rId15"/>
+    <p:sldId id="290" r:id="rId16"/>
+    <p:sldId id="291" r:id="rId17"/>
+    <p:sldId id="292" r:id="rId18"/>
   </p:sldIdLst>
   <p:sldSz cx="9144000" cy="6858000" type="screen4x3"/>
   <p:notesSz cx="6858000" cy="9144000"/>
@@ -3834,115 +3832,50 @@
           <a:chExt cx="0" cy="0"/>
         </a:xfrm>
       </p:grpSpPr>
-      <p:grpSp>
-        <p:nvGrpSpPr>
-          <p:cNvPr id="6" name="グループ化 5">
+      <p:sp>
+        <p:nvSpPr>
+          <p:cNvPr id="2" name="タイトル 1">
             <a:extLst>
               <a:ext uri="{FF2B5EF4-FFF2-40B4-BE49-F238E27FC236}">
-                <a16:creationId xmlns:a16="http://schemas.microsoft.com/office/drawing/2014/main" id="{34D923BB-0D68-418B-851B-98FFA05F9ED9}"/>
+                <a16:creationId xmlns:a16="http://schemas.microsoft.com/office/drawing/2014/main" id="{54F9C8DA-EDE0-474B-A199-F3B1E9A8BB0D}"/>
               </a:ext>
             </a:extLst>
           </p:cNvPr>
-          <p:cNvGrpSpPr/>
-          <p:nvPr/>
-        </p:nvGrpSpPr>
-        <p:grpSpPr>
-          <a:xfrm>
-            <a:off x="1691680" y="2636912"/>
-            <a:ext cx="4953000" cy="3524250"/>
-            <a:chOff x="683568" y="1340768"/>
-            <a:chExt cx="4953000" cy="3524250"/>
-          </a:xfrm>
-        </p:grpSpPr>
-        <p:pic>
-          <p:nvPicPr>
-            <p:cNvPr id="4" name="図 3">
-              <a:extLst>
-                <a:ext uri="{FF2B5EF4-FFF2-40B4-BE49-F238E27FC236}">
-                  <a16:creationId xmlns:a16="http://schemas.microsoft.com/office/drawing/2014/main" id="{65143CDE-AB8B-4179-9824-41C29CF91737}"/>
-                </a:ext>
-              </a:extLst>
-            </p:cNvPr>
-            <p:cNvPicPr>
-              <a:picLocks noChangeAspect="1"/>
-            </p:cNvPicPr>
-            <p:nvPr/>
-          </p:nvPicPr>
-          <p:blipFill>
-            <a:blip r:embed="rId2"/>
-            <a:stretch>
-              <a:fillRect/>
-            </a:stretch>
-          </p:blipFill>
-          <p:spPr>
-            <a:xfrm>
-              <a:off x="683568" y="1340768"/>
-              <a:ext cx="4953000" cy="3524250"/>
-            </a:xfrm>
-            <a:prstGeom prst="rect">
-              <a:avLst/>
-            </a:prstGeom>
-          </p:spPr>
-        </p:pic>
-        <p:sp>
-          <p:nvSpPr>
-            <p:cNvPr id="5" name="正方形/長方形 4">
-              <a:extLst>
-                <a:ext uri="{FF2B5EF4-FFF2-40B4-BE49-F238E27FC236}">
-                  <a16:creationId xmlns:a16="http://schemas.microsoft.com/office/drawing/2014/main" id="{2F960298-4294-4C49-8D50-4E6D569A063D}"/>
-                </a:ext>
-              </a:extLst>
-            </p:cNvPr>
-            <p:cNvSpPr/>
-            <p:nvPr/>
-          </p:nvSpPr>
-          <p:spPr>
-            <a:xfrm>
-              <a:off x="755576" y="1628800"/>
-              <a:ext cx="4032448" cy="288032"/>
-            </a:xfrm>
-            <a:prstGeom prst="rect">
-              <a:avLst/>
-            </a:prstGeom>
-            <a:noFill/>
-            <a:ln w="41275">
-              <a:solidFill>
-                <a:srgbClr val="FF0000"/>
-              </a:solidFill>
-            </a:ln>
-          </p:spPr>
-          <p:style>
-            <a:lnRef idx="2">
-              <a:schemeClr val="accent1">
-                <a:shade val="50000"/>
-              </a:schemeClr>
-            </a:lnRef>
-            <a:fillRef idx="1">
-              <a:schemeClr val="accent1"/>
-            </a:fillRef>
-            <a:effectRef idx="0">
-              <a:schemeClr val="accent1"/>
-            </a:effectRef>
-            <a:fontRef idx="minor">
-              <a:schemeClr val="lt1"/>
-            </a:fontRef>
-          </p:style>
-          <p:txBody>
-            <a:bodyPr rtlCol="0" anchor="ctr"/>
-            <a:lstStyle/>
-            <a:p>
-              <a:pPr algn="ctr"/>
-              <a:endParaRPr kumimoji="1" lang="ja-JP" altLang="en-US"/>
-            </a:p>
-          </p:txBody>
-        </p:sp>
-      </p:grpSp>
-      <p:sp>
-        <p:nvSpPr>
-          <p:cNvPr id="7" name="矢印: 下 6">
+          <p:cNvSpPr>
+            <a:spLocks noGrp="1"/>
+          </p:cNvSpPr>
+          <p:nvPr>
+            <p:ph type="title"/>
+          </p:nvPr>
+        </p:nvSpPr>
+        <p:spPr/>
+        <p:txBody>
+          <a:bodyPr>
+            <a:normAutofit fontScale="90000"/>
+          </a:bodyPr>
+          <a:lstStyle/>
+          <a:p>
+            <a:r>
+              <a:rPr lang="en-US" altLang="ja-JP" dirty="0"/>
+              <a:t>Step 6</a:t>
+            </a:r>
+            <a:br>
+              <a:rPr lang="en-US" altLang="ja-JP" dirty="0"/>
+            </a:br>
+            <a:r>
+              <a:rPr lang="ja-JP" altLang="en-US" sz="3600" dirty="0"/>
+              <a:t>スフィア（球）とシリンダー生成ステート作成</a:t>
+            </a:r>
+            <a:endParaRPr kumimoji="1" lang="ja-JP" altLang="en-US" dirty="0"/>
+          </a:p>
+        </p:txBody>
+      </p:sp>
+      <p:sp>
+        <p:nvSpPr>
+          <p:cNvPr id="5" name="四角形: 角を丸くする 4">
             <a:extLst>
               <a:ext uri="{FF2B5EF4-FFF2-40B4-BE49-F238E27FC236}">
-                <a16:creationId xmlns:a16="http://schemas.microsoft.com/office/drawing/2014/main" id="{1A5D5935-DFD1-4177-B727-1B6547A85C1A}"/>
+                <a16:creationId xmlns:a16="http://schemas.microsoft.com/office/drawing/2014/main" id="{C7AD4997-424F-4909-970B-C13506BF3740}"/>
               </a:ext>
             </a:extLst>
           </p:cNvPr>
@@ -3951,18 +3884,12 @@
         </p:nvSpPr>
         <p:spPr>
           <a:xfrm>
-            <a:off x="3491880" y="1844824"/>
-            <a:ext cx="576064" cy="1080120"/>
-          </a:xfrm>
-          <a:prstGeom prst="downArrow">
+            <a:off x="1043608" y="1417638"/>
+            <a:ext cx="6648450" cy="859234"/>
+          </a:xfrm>
+          <a:prstGeom prst="roundRect">
             <a:avLst/>
           </a:prstGeom>
-          <a:solidFill>
-            <a:srgbClr val="FF0000"/>
-          </a:solidFill>
-          <a:ln>
-            <a:noFill/>
-          </a:ln>
         </p:spPr>
         <p:style>
           <a:lnRef idx="2">
@@ -3985,16 +3912,122 @@
           <a:lstStyle/>
           <a:p>
             <a:pPr algn="ctr"/>
-            <a:endParaRPr kumimoji="1" lang="ja-JP" altLang="en-US"/>
-          </a:p>
-        </p:txBody>
-      </p:sp>
-      <p:sp>
-        <p:nvSpPr>
-          <p:cNvPr id="8" name="四角形: 角を丸くする 7">
+            <a:r>
+              <a:rPr lang="ja-JP" altLang="en-US" dirty="0"/>
+              <a:t>スフィアまたはシリンダーを生成し、</a:t>
+            </a:r>
+            <a:r>
+              <a:rPr lang="en-US" altLang="ja-JP" dirty="0" err="1"/>
+              <a:t>m_obj</a:t>
+            </a:r>
+            <a:r>
+              <a:rPr lang="ja-JP" altLang="en-US" dirty="0"/>
+              <a:t>に格納する。</a:t>
+            </a:r>
+            <a:endParaRPr lang="en-US" altLang="ja-JP" dirty="0"/>
+          </a:p>
+          <a:p>
+            <a:pPr algn="ctr"/>
+            <a:r>
+              <a:rPr lang="en-US" altLang="ja-JP" dirty="0" err="1"/>
+              <a:t>m_obj</a:t>
+            </a:r>
+            <a:r>
+              <a:rPr lang="ja-JP" altLang="en-US" dirty="0"/>
+              <a:t>は 組込ノード</a:t>
+            </a:r>
+            <a:r>
+              <a:rPr lang="en-US" altLang="ja-JP" dirty="0"/>
+              <a:t>(E_DEFOBJ)</a:t>
+            </a:r>
+            <a:r>
+              <a:rPr lang="ja-JP" altLang="en-US" dirty="0"/>
+              <a:t>で定義。</a:t>
+            </a:r>
+            <a:endParaRPr lang="en-US" altLang="ja-JP" dirty="0"/>
+          </a:p>
+        </p:txBody>
+      </p:sp>
+      <p:pic>
+        <p:nvPicPr>
+          <p:cNvPr id="3" name="図 2">
             <a:extLst>
               <a:ext uri="{FF2B5EF4-FFF2-40B4-BE49-F238E27FC236}">
-                <a16:creationId xmlns:a16="http://schemas.microsoft.com/office/drawing/2014/main" id="{4B3E3F1F-BDD5-456F-963A-181502C32416}"/>
+                <a16:creationId xmlns:a16="http://schemas.microsoft.com/office/drawing/2014/main" id="{7D882B6C-3D16-4D34-9FAF-EC3FDC22B88F}"/>
+              </a:ext>
+            </a:extLst>
+          </p:cNvPr>
+          <p:cNvPicPr>
+            <a:picLocks noChangeAspect="1"/>
+          </p:cNvPicPr>
+          <p:nvPr/>
+        </p:nvPicPr>
+        <p:blipFill>
+          <a:blip r:embed="rId2"/>
+          <a:stretch>
+            <a:fillRect/>
+          </a:stretch>
+        </p:blipFill>
+        <p:spPr>
+          <a:xfrm>
+            <a:off x="448706" y="2996952"/>
+            <a:ext cx="8172450" cy="3762375"/>
+          </a:xfrm>
+          <a:prstGeom prst="rect">
+            <a:avLst/>
+          </a:prstGeom>
+        </p:spPr>
+      </p:pic>
+      <p:cxnSp>
+        <p:nvCxnSpPr>
+          <p:cNvPr id="7" name="直線矢印コネクタ 6">
+            <a:extLst>
+              <a:ext uri="{FF2B5EF4-FFF2-40B4-BE49-F238E27FC236}">
+                <a16:creationId xmlns:a16="http://schemas.microsoft.com/office/drawing/2014/main" id="{6BF75593-ACB0-4116-A3B3-8821506DFCFD}"/>
+              </a:ext>
+            </a:extLst>
+          </p:cNvPr>
+          <p:cNvCxnSpPr>
+            <a:cxnSpLocks/>
+          </p:cNvCxnSpPr>
+          <p:nvPr/>
+        </p:nvCxnSpPr>
+        <p:spPr>
+          <a:xfrm flipH="1">
+            <a:off x="4644008" y="2852936"/>
+            <a:ext cx="1584176" cy="432048"/>
+          </a:xfrm>
+          <a:prstGeom prst="straightConnector1">
+            <a:avLst/>
+          </a:prstGeom>
+          <a:ln w="76200">
+            <a:solidFill>
+              <a:srgbClr val="FF0000"/>
+            </a:solidFill>
+            <a:tailEnd type="triangle"/>
+          </a:ln>
+        </p:spPr>
+        <p:style>
+          <a:lnRef idx="1">
+            <a:schemeClr val="accent1"/>
+          </a:lnRef>
+          <a:fillRef idx="0">
+            <a:schemeClr val="accent1"/>
+          </a:fillRef>
+          <a:effectRef idx="0">
+            <a:schemeClr val="accent1"/>
+          </a:effectRef>
+          <a:fontRef idx="minor">
+            <a:schemeClr val="tx1"/>
+          </a:fontRef>
+        </p:style>
+      </p:cxnSp>
+      <p:sp>
+        <p:nvSpPr>
+          <p:cNvPr id="11" name="正方形/長方形 10">
+            <a:extLst>
+              <a:ext uri="{FF2B5EF4-FFF2-40B4-BE49-F238E27FC236}">
+                <a16:creationId xmlns:a16="http://schemas.microsoft.com/office/drawing/2014/main" id="{43529FF7-4CCE-465B-B52E-9783BCFECA5F}"/>
               </a:ext>
             </a:extLst>
           </p:cNvPr>
@@ -4003,17 +4036,19 @@
         </p:nvSpPr>
         <p:spPr>
           <a:xfrm>
-            <a:off x="1907704" y="732842"/>
-            <a:ext cx="3960440" cy="1508026"/>
-          </a:xfrm>
-          <a:prstGeom prst="roundRect">
+            <a:off x="6012160" y="2420888"/>
+            <a:ext cx="2016224" cy="576064"/>
+          </a:xfrm>
+          <a:prstGeom prst="rect">
             <a:avLst/>
           </a:prstGeom>
           <a:solidFill>
             <a:srgbClr val="FF0000"/>
           </a:solidFill>
           <a:ln>
-            <a:noFill/>
+            <a:solidFill>
+              <a:srgbClr val="FF0000"/>
+            </a:solidFill>
           </a:ln>
         </p:spPr>
         <p:style>
@@ -4039,7 +4074,7 @@
             <a:pPr algn="ctr"/>
             <a:r>
               <a:rPr lang="ja-JP" altLang="en-US" dirty="0"/>
-              <a:t>削除して、ＯＫボタンを押す</a:t>
+              <a:t>組込ノード</a:t>
             </a:r>
             <a:endParaRPr kumimoji="1" lang="ja-JP" altLang="en-US" dirty="0"/>
           </a:p>
@@ -4048,7 +4083,7 @@
     </p:spTree>
     <p:extLst>
       <p:ext uri="{BB962C8B-B14F-4D97-AF65-F5344CB8AC3E}">
-        <p14:creationId xmlns:p14="http://schemas.microsoft.com/office/powerpoint/2010/main" val="2739315444"/>
+        <p14:creationId xmlns:p14="http://schemas.microsoft.com/office/powerpoint/2010/main" val="1014943288"/>
       </p:ext>
     </p:extLst>
   </p:cSld>
@@ -4075,12 +4110,45 @@
           <a:chExt cx="0" cy="0"/>
         </a:xfrm>
       </p:grpSpPr>
+      <p:sp>
+        <p:nvSpPr>
+          <p:cNvPr id="2" name="タイトル 1">
+            <a:extLst>
+              <a:ext uri="{FF2B5EF4-FFF2-40B4-BE49-F238E27FC236}">
+                <a16:creationId xmlns:a16="http://schemas.microsoft.com/office/drawing/2014/main" id="{2DEAE940-47CD-4740-A62D-02FA2B41ED8D}"/>
+              </a:ext>
+            </a:extLst>
+          </p:cNvPr>
+          <p:cNvSpPr>
+            <a:spLocks noGrp="1"/>
+          </p:cNvSpPr>
+          <p:nvPr>
+            <p:ph type="title"/>
+          </p:nvPr>
+        </p:nvSpPr>
+        <p:spPr>
+          <a:xfrm>
+            <a:off x="372254" y="161764"/>
+            <a:ext cx="8229600" cy="1143000"/>
+          </a:xfrm>
+        </p:spPr>
+        <p:txBody>
+          <a:bodyPr/>
+          <a:lstStyle/>
+          <a:p>
+            <a:r>
+              <a:rPr kumimoji="1" lang="ja-JP" altLang="en-US" dirty="0"/>
+              <a:t>組込ノード作成</a:t>
+            </a:r>
+          </a:p>
+        </p:txBody>
+      </p:sp>
       <p:pic>
         <p:nvPicPr>
           <p:cNvPr id="4" name="図 3">
             <a:extLst>
               <a:ext uri="{FF2B5EF4-FFF2-40B4-BE49-F238E27FC236}">
-                <a16:creationId xmlns:a16="http://schemas.microsoft.com/office/drawing/2014/main" id="{04AF4AD1-11AA-44D0-976B-0CA2043E3826}"/>
+                <a16:creationId xmlns:a16="http://schemas.microsoft.com/office/drawing/2014/main" id="{2685280A-9741-457E-9499-0ED1B43EAF01}"/>
               </a:ext>
             </a:extLst>
           </p:cNvPr>
@@ -4097,20 +4165,62 @@
         </p:blipFill>
         <p:spPr>
           <a:xfrm>
-            <a:off x="1547664" y="2600325"/>
-            <a:ext cx="1933575" cy="1657350"/>
+            <a:off x="616628" y="1772816"/>
+            <a:ext cx="5162550" cy="2438400"/>
           </a:xfrm>
           <a:prstGeom prst="rect">
             <a:avLst/>
           </a:prstGeom>
         </p:spPr>
       </p:pic>
-      <p:sp>
-        <p:nvSpPr>
-          <p:cNvPr id="6" name="矢印: 左 5">
+      <p:cxnSp>
+        <p:nvCxnSpPr>
+          <p:cNvPr id="6" name="直線矢印コネクタ 5">
             <a:extLst>
               <a:ext uri="{FF2B5EF4-FFF2-40B4-BE49-F238E27FC236}">
-                <a16:creationId xmlns:a16="http://schemas.microsoft.com/office/drawing/2014/main" id="{8F858C0D-DCF5-41FC-9138-1D4746398AA3}"/>
+                <a16:creationId xmlns:a16="http://schemas.microsoft.com/office/drawing/2014/main" id="{EEC9FE31-E463-4234-A9A7-5BB48E467ACB}"/>
+              </a:ext>
+            </a:extLst>
+          </p:cNvPr>
+          <p:cNvCxnSpPr/>
+          <p:nvPr/>
+        </p:nvCxnSpPr>
+        <p:spPr>
+          <a:xfrm flipH="1">
+            <a:off x="4155364" y="1484784"/>
+            <a:ext cx="2808312" cy="1080120"/>
+          </a:xfrm>
+          <a:prstGeom prst="straightConnector1">
+            <a:avLst/>
+          </a:prstGeom>
+          <a:ln w="76200">
+            <a:solidFill>
+              <a:srgbClr val="FF0000"/>
+            </a:solidFill>
+            <a:tailEnd type="triangle"/>
+          </a:ln>
+        </p:spPr>
+        <p:style>
+          <a:lnRef idx="1">
+            <a:schemeClr val="accent1"/>
+          </a:lnRef>
+          <a:fillRef idx="0">
+            <a:schemeClr val="accent1"/>
+          </a:fillRef>
+          <a:effectRef idx="0">
+            <a:schemeClr val="accent1"/>
+          </a:effectRef>
+          <a:fontRef idx="minor">
+            <a:schemeClr val="tx1"/>
+          </a:fontRef>
+        </p:style>
+      </p:cxnSp>
+      <p:sp>
+        <p:nvSpPr>
+          <p:cNvPr id="7" name="正方形/長方形 6">
+            <a:extLst>
+              <a:ext uri="{FF2B5EF4-FFF2-40B4-BE49-F238E27FC236}">
+                <a16:creationId xmlns:a16="http://schemas.microsoft.com/office/drawing/2014/main" id="{C7913DAA-4615-4F49-97E5-F9B6E6A7C1E2}"/>
               </a:ext>
             </a:extLst>
           </p:cNvPr>
@@ -4119,14 +4229,19 @@
         </p:nvSpPr>
         <p:spPr>
           <a:xfrm>
-            <a:off x="3327296" y="2852936"/>
-            <a:ext cx="1584176" cy="576064"/>
-          </a:xfrm>
-          <a:prstGeom prst="leftArrow">
+            <a:off x="5955564" y="1124744"/>
+            <a:ext cx="3096344" cy="648072"/>
+          </a:xfrm>
+          <a:prstGeom prst="rect">
             <a:avLst/>
           </a:prstGeom>
+          <a:solidFill>
+            <a:srgbClr val="FF0000"/>
+          </a:solidFill>
           <a:ln>
-            <a:noFill/>
+            <a:solidFill>
+              <a:srgbClr val="FF0000"/>
+            </a:solidFill>
           </a:ln>
         </p:spPr>
         <p:style>
@@ -4150,16 +4265,72 @@
           <a:lstStyle/>
           <a:p>
             <a:pPr algn="ctr"/>
-            <a:endParaRPr kumimoji="1" lang="ja-JP" altLang="en-US"/>
-          </a:p>
-        </p:txBody>
-      </p:sp>
-      <p:sp>
-        <p:nvSpPr>
-          <p:cNvPr id="5" name="四角形: 角を丸くする 4">
+            <a:r>
+              <a:rPr lang="ja-JP" altLang="en-US" b="1" dirty="0"/>
+              <a:t>ステート名の先頭を</a:t>
+            </a:r>
+            <a:r>
+              <a:rPr lang="en-US" altLang="ja-JP" b="1" dirty="0"/>
+              <a:t>E_</a:t>
+            </a:r>
+            <a:r>
+              <a:rPr lang="ja-JP" altLang="en-US" b="1" dirty="0"/>
+              <a:t>とする。</a:t>
+            </a:r>
+            <a:endParaRPr kumimoji="1" lang="ja-JP" altLang="en-US" b="1" dirty="0"/>
+          </a:p>
+        </p:txBody>
+      </p:sp>
+      <p:cxnSp>
+        <p:nvCxnSpPr>
+          <p:cNvPr id="8" name="直線矢印コネクタ 7">
             <a:extLst>
               <a:ext uri="{FF2B5EF4-FFF2-40B4-BE49-F238E27FC236}">
-                <a16:creationId xmlns:a16="http://schemas.microsoft.com/office/drawing/2014/main" id="{70018789-48DD-4AFB-9D86-42490DF399D3}"/>
+                <a16:creationId xmlns:a16="http://schemas.microsoft.com/office/drawing/2014/main" id="{4DEF7DB6-FE83-44C7-91F9-7439BC49D5F0}"/>
+              </a:ext>
+            </a:extLst>
+          </p:cNvPr>
+          <p:cNvCxnSpPr>
+            <a:cxnSpLocks/>
+          </p:cNvCxnSpPr>
+          <p:nvPr/>
+        </p:nvCxnSpPr>
+        <p:spPr>
+          <a:xfrm flipH="1">
+            <a:off x="4011348" y="3429000"/>
+            <a:ext cx="2448272" cy="216024"/>
+          </a:xfrm>
+          <a:prstGeom prst="straightConnector1">
+            <a:avLst/>
+          </a:prstGeom>
+          <a:ln w="76200">
+            <a:solidFill>
+              <a:srgbClr val="FF0000"/>
+            </a:solidFill>
+            <a:tailEnd type="triangle"/>
+          </a:ln>
+        </p:spPr>
+        <p:style>
+          <a:lnRef idx="1">
+            <a:schemeClr val="accent1"/>
+          </a:lnRef>
+          <a:fillRef idx="0">
+            <a:schemeClr val="accent1"/>
+          </a:fillRef>
+          <a:effectRef idx="0">
+            <a:schemeClr val="accent1"/>
+          </a:effectRef>
+          <a:fontRef idx="minor">
+            <a:schemeClr val="tx1"/>
+          </a:fontRef>
+        </p:style>
+      </p:cxnSp>
+      <p:sp>
+        <p:nvSpPr>
+          <p:cNvPr id="11" name="正方形/長方形 10">
+            <a:extLst>
+              <a:ext uri="{FF2B5EF4-FFF2-40B4-BE49-F238E27FC236}">
+                <a16:creationId xmlns:a16="http://schemas.microsoft.com/office/drawing/2014/main" id="{94E5A176-AE83-4D97-BFAD-28913EE2A456}"/>
               </a:ext>
             </a:extLst>
           </p:cNvPr>
@@ -4168,14 +4339,19 @@
         </p:nvSpPr>
         <p:spPr>
           <a:xfrm>
-            <a:off x="4283968" y="2583180"/>
-            <a:ext cx="3312368" cy="1193827"/>
-          </a:xfrm>
-          <a:prstGeom prst="roundRect">
+            <a:off x="6077554" y="2996952"/>
+            <a:ext cx="3096344" cy="648072"/>
+          </a:xfrm>
+          <a:prstGeom prst="rect">
             <a:avLst/>
           </a:prstGeom>
+          <a:solidFill>
+            <a:srgbClr val="FF0000"/>
+          </a:solidFill>
           <a:ln>
-            <a:noFill/>
+            <a:solidFill>
+              <a:srgbClr val="FF0000"/>
+            </a:solidFill>
           </a:ln>
         </p:spPr>
         <p:style>
@@ -4198,17 +4374,145 @@
           <a:bodyPr rtlCol="0" anchor="ctr"/>
           <a:lstStyle/>
           <a:p>
-            <a:r>
-              <a:rPr kumimoji="1" lang="ja-JP" altLang="en-US" dirty="0"/>
-              <a:t>ここにあった赤点が</a:t>
-            </a:r>
-            <a:r>
-              <a:rPr lang="ja-JP" altLang="en-US" dirty="0"/>
-              <a:t>矢印と一緒に</a:t>
-            </a:r>
-            <a:r>
-              <a:rPr kumimoji="1" lang="ja-JP" altLang="en-US" dirty="0"/>
-              <a:t>消える。</a:t>
+            <a:pPr algn="ctr"/>
+            <a:r>
+              <a:rPr kumimoji="1" lang="en-US" altLang="ja-JP" b="1" dirty="0"/>
+              <a:t>embed</a:t>
+            </a:r>
+            <a:r>
+              <a:rPr kumimoji="1" lang="ja-JP" altLang="en-US" b="1" dirty="0"/>
+              <a:t>にコードを書く。</a:t>
+            </a:r>
+          </a:p>
+        </p:txBody>
+      </p:sp>
+      <p:pic>
+        <p:nvPicPr>
+          <p:cNvPr id="12" name="図 11">
+            <a:extLst>
+              <a:ext uri="{FF2B5EF4-FFF2-40B4-BE49-F238E27FC236}">
+                <a16:creationId xmlns:a16="http://schemas.microsoft.com/office/drawing/2014/main" id="{E7139E21-7300-4D26-AFFA-00539E521E39}"/>
+              </a:ext>
+            </a:extLst>
+          </p:cNvPr>
+          <p:cNvPicPr>
+            <a:picLocks noChangeAspect="1"/>
+          </p:cNvPicPr>
+          <p:nvPr/>
+        </p:nvPicPr>
+        <p:blipFill>
+          <a:blip r:embed="rId3"/>
+          <a:stretch>
+            <a:fillRect/>
+          </a:stretch>
+        </p:blipFill>
+        <p:spPr>
+          <a:xfrm>
+            <a:off x="1411023" y="4746306"/>
+            <a:ext cx="2600325" cy="1762125"/>
+          </a:xfrm>
+          <a:prstGeom prst="rect">
+            <a:avLst/>
+          </a:prstGeom>
+        </p:spPr>
+      </p:pic>
+      <p:cxnSp>
+        <p:nvCxnSpPr>
+          <p:cNvPr id="13" name="直線矢印コネクタ 12">
+            <a:extLst>
+              <a:ext uri="{FF2B5EF4-FFF2-40B4-BE49-F238E27FC236}">
+                <a16:creationId xmlns:a16="http://schemas.microsoft.com/office/drawing/2014/main" id="{6958F5C5-F35A-4CE0-A945-771327A0CD61}"/>
+              </a:ext>
+            </a:extLst>
+          </p:cNvPr>
+          <p:cNvCxnSpPr>
+            <a:cxnSpLocks/>
+          </p:cNvCxnSpPr>
+          <p:nvPr/>
+        </p:nvCxnSpPr>
+        <p:spPr>
+          <a:xfrm flipH="1">
+            <a:off x="3111248" y="5301208"/>
+            <a:ext cx="2448272" cy="216024"/>
+          </a:xfrm>
+          <a:prstGeom prst="straightConnector1">
+            <a:avLst/>
+          </a:prstGeom>
+          <a:ln w="76200">
+            <a:solidFill>
+              <a:srgbClr val="FF0000"/>
+            </a:solidFill>
+            <a:tailEnd type="triangle"/>
+          </a:ln>
+        </p:spPr>
+        <p:style>
+          <a:lnRef idx="1">
+            <a:schemeClr val="accent1"/>
+          </a:lnRef>
+          <a:fillRef idx="0">
+            <a:schemeClr val="accent1"/>
+          </a:fillRef>
+          <a:effectRef idx="0">
+            <a:schemeClr val="accent1"/>
+          </a:effectRef>
+          <a:fontRef idx="minor">
+            <a:schemeClr val="tx1"/>
+          </a:fontRef>
+        </p:style>
+      </p:cxnSp>
+      <p:sp>
+        <p:nvSpPr>
+          <p:cNvPr id="15" name="正方形/長方形 14">
+            <a:extLst>
+              <a:ext uri="{FF2B5EF4-FFF2-40B4-BE49-F238E27FC236}">
+                <a16:creationId xmlns:a16="http://schemas.microsoft.com/office/drawing/2014/main" id="{82F93F3A-40B3-406B-A82F-7E3A3E88795C}"/>
+              </a:ext>
+            </a:extLst>
+          </p:cNvPr>
+          <p:cNvSpPr/>
+          <p:nvPr/>
+        </p:nvSpPr>
+        <p:spPr>
+          <a:xfrm>
+            <a:off x="5306454" y="4901168"/>
+            <a:ext cx="3096344" cy="648072"/>
+          </a:xfrm>
+          <a:prstGeom prst="rect">
+            <a:avLst/>
+          </a:prstGeom>
+          <a:solidFill>
+            <a:srgbClr val="FF0000"/>
+          </a:solidFill>
+          <a:ln>
+            <a:solidFill>
+              <a:srgbClr val="FF0000"/>
+            </a:solidFill>
+          </a:ln>
+        </p:spPr>
+        <p:style>
+          <a:lnRef idx="2">
+            <a:schemeClr val="accent1">
+              <a:shade val="50000"/>
+            </a:schemeClr>
+          </a:lnRef>
+          <a:fillRef idx="1">
+            <a:schemeClr val="accent1"/>
+          </a:fillRef>
+          <a:effectRef idx="0">
+            <a:schemeClr val="accent1"/>
+          </a:effectRef>
+          <a:fontRef idx="minor">
+            <a:schemeClr val="lt1"/>
+          </a:fontRef>
+        </p:style>
+        <p:txBody>
+          <a:bodyPr rtlCol="0" anchor="ctr"/>
+          <a:lstStyle/>
+          <a:p>
+            <a:pPr algn="ctr"/>
+            <a:r>
+              <a:rPr kumimoji="1" lang="ja-JP" altLang="en-US" b="1" dirty="0"/>
+              <a:t>変換結果確認</a:t>
             </a:r>
           </a:p>
         </p:txBody>
@@ -4216,7 +4520,7 @@
     </p:spTree>
     <p:extLst>
       <p:ext uri="{BB962C8B-B14F-4D97-AF65-F5344CB8AC3E}">
-        <p14:creationId xmlns:p14="http://schemas.microsoft.com/office/powerpoint/2010/main" val="1635609784"/>
+        <p14:creationId xmlns:p14="http://schemas.microsoft.com/office/powerpoint/2010/main" val="1585400578"/>
       </p:ext>
     </p:extLst>
   </p:cSld>
@@ -4248,7 +4552,7 @@
           <p:cNvPr id="2" name="タイトル 1">
             <a:extLst>
               <a:ext uri="{FF2B5EF4-FFF2-40B4-BE49-F238E27FC236}">
-                <a16:creationId xmlns:a16="http://schemas.microsoft.com/office/drawing/2014/main" id="{54F9C8DA-EDE0-474B-A199-F3B1E9A8BB0D}"/>
+                <a16:creationId xmlns:a16="http://schemas.microsoft.com/office/drawing/2014/main" id="{530813FA-E64E-4F5F-A9D5-D23F18EC87EF}"/>
               </a:ext>
             </a:extLst>
           </p:cNvPr>
@@ -4261,21 +4565,12 @@
         </p:nvSpPr>
         <p:spPr/>
         <p:txBody>
-          <a:bodyPr>
-            <a:normAutofit fontScale="90000"/>
-          </a:bodyPr>
-          <a:lstStyle/>
-          <a:p>
-            <a:r>
-              <a:rPr lang="en-US" altLang="ja-JP" dirty="0"/>
-              <a:t>Step 6</a:t>
-            </a:r>
-            <a:br>
-              <a:rPr lang="en-US" altLang="ja-JP" dirty="0"/>
-            </a:br>
-            <a:r>
-              <a:rPr lang="ja-JP" altLang="en-US" sz="3600" dirty="0"/>
-              <a:t>スフィア（球）とシリンダー生成ステート作成</a:t>
+          <a:bodyPr/>
+          <a:lstStyle/>
+          <a:p>
+            <a:r>
+              <a:rPr lang="ja-JP" altLang="en-US" dirty="0"/>
+              <a:t>スフィアとシリンダー</a:t>
             </a:r>
             <a:endParaRPr kumimoji="1" lang="ja-JP" altLang="en-US" dirty="0"/>
           </a:p>
@@ -4286,7 +4581,7 @@
           <p:cNvPr id="4" name="図 3">
             <a:extLst>
               <a:ext uri="{FF2B5EF4-FFF2-40B4-BE49-F238E27FC236}">
-                <a16:creationId xmlns:a16="http://schemas.microsoft.com/office/drawing/2014/main" id="{42E106AE-C9E6-483E-875C-55218D30F4C7}"/>
+                <a16:creationId xmlns:a16="http://schemas.microsoft.com/office/drawing/2014/main" id="{397EF052-B578-4D34-852C-31E8899594F5}"/>
               </a:ext>
             </a:extLst>
           </p:cNvPr>
@@ -4303,20 +4598,121 @@
         </p:blipFill>
         <p:spPr>
           <a:xfrm>
-            <a:off x="1043608" y="2924944"/>
-            <a:ext cx="6648450" cy="3333750"/>
+            <a:off x="1115616" y="1988840"/>
+            <a:ext cx="4248150" cy="962025"/>
           </a:xfrm>
           <a:prstGeom prst="rect">
             <a:avLst/>
           </a:prstGeom>
         </p:spPr>
       </p:pic>
-      <p:sp>
-        <p:nvSpPr>
-          <p:cNvPr id="5" name="四角形: 角を丸くする 4">
+      <p:pic>
+        <p:nvPicPr>
+          <p:cNvPr id="5" name="図 4">
             <a:extLst>
               <a:ext uri="{FF2B5EF4-FFF2-40B4-BE49-F238E27FC236}">
-                <a16:creationId xmlns:a16="http://schemas.microsoft.com/office/drawing/2014/main" id="{C7AD4997-424F-4909-970B-C13506BF3740}"/>
+                <a16:creationId xmlns:a16="http://schemas.microsoft.com/office/drawing/2014/main" id="{04B9E4C1-FE3F-4F80-A280-5636556C4010}"/>
+              </a:ext>
+            </a:extLst>
+          </p:cNvPr>
+          <p:cNvPicPr>
+            <a:picLocks noChangeAspect="1"/>
+          </p:cNvPicPr>
+          <p:nvPr/>
+        </p:nvPicPr>
+        <p:blipFill>
+          <a:blip r:embed="rId3"/>
+          <a:stretch>
+            <a:fillRect/>
+          </a:stretch>
+        </p:blipFill>
+        <p:spPr>
+          <a:xfrm>
+            <a:off x="1115616" y="3789040"/>
+            <a:ext cx="4638675" cy="762000"/>
+          </a:xfrm>
+          <a:prstGeom prst="rect">
+            <a:avLst/>
+          </a:prstGeom>
+        </p:spPr>
+      </p:pic>
+      <p:sp>
+        <p:nvSpPr>
+          <p:cNvPr id="6" name="テキスト ボックス 5">
+            <a:extLst>
+              <a:ext uri="{FF2B5EF4-FFF2-40B4-BE49-F238E27FC236}">
+                <a16:creationId xmlns:a16="http://schemas.microsoft.com/office/drawing/2014/main" id="{19D3FCEE-261F-4CA5-806A-1F0F3C78872B}"/>
+              </a:ext>
+            </a:extLst>
+          </p:cNvPr>
+          <p:cNvSpPr txBox="1"/>
+          <p:nvPr/>
+        </p:nvSpPr>
+        <p:spPr>
+          <a:xfrm>
+            <a:off x="1134926" y="1547660"/>
+            <a:ext cx="936475" cy="369332"/>
+          </a:xfrm>
+          <a:prstGeom prst="rect">
+            <a:avLst/>
+          </a:prstGeom>
+          <a:noFill/>
+        </p:spPr>
+        <p:txBody>
+          <a:bodyPr wrap="none" rtlCol="0">
+            <a:spAutoFit/>
+          </a:bodyPr>
+          <a:lstStyle/>
+          <a:p>
+            <a:r>
+              <a:rPr kumimoji="1" lang="ja-JP" altLang="en-US" dirty="0"/>
+              <a:t>スフィア</a:t>
+            </a:r>
+          </a:p>
+        </p:txBody>
+      </p:sp>
+      <p:sp>
+        <p:nvSpPr>
+          <p:cNvPr id="7" name="テキスト ボックス 6">
+            <a:extLst>
+              <a:ext uri="{FF2B5EF4-FFF2-40B4-BE49-F238E27FC236}">
+                <a16:creationId xmlns:a16="http://schemas.microsoft.com/office/drawing/2014/main" id="{98C495F4-B0DC-47D8-A575-0AF188EE001F}"/>
+              </a:ext>
+            </a:extLst>
+          </p:cNvPr>
+          <p:cNvSpPr txBox="1"/>
+          <p:nvPr/>
+        </p:nvSpPr>
+        <p:spPr>
+          <a:xfrm>
+            <a:off x="1134926" y="3337401"/>
+            <a:ext cx="1188146" cy="369332"/>
+          </a:xfrm>
+          <a:prstGeom prst="rect">
+            <a:avLst/>
+          </a:prstGeom>
+          <a:noFill/>
+        </p:spPr>
+        <p:txBody>
+          <a:bodyPr wrap="none" rtlCol="0">
+            <a:spAutoFit/>
+          </a:bodyPr>
+          <a:lstStyle/>
+          <a:p>
+            <a:r>
+              <a:rPr lang="ja-JP" altLang="en-US" dirty="0"/>
+              <a:t>シリンダー</a:t>
+            </a:r>
+            <a:endParaRPr kumimoji="1" lang="ja-JP" altLang="en-US" dirty="0"/>
+          </a:p>
+        </p:txBody>
+      </p:sp>
+      <p:sp>
+        <p:nvSpPr>
+          <p:cNvPr id="8" name="四角形: 角を丸くする 7">
+            <a:extLst>
+              <a:ext uri="{FF2B5EF4-FFF2-40B4-BE49-F238E27FC236}">
+                <a16:creationId xmlns:a16="http://schemas.microsoft.com/office/drawing/2014/main" id="{E03C77B8-77C1-4632-9322-AFF0BF9826B6}"/>
               </a:ext>
             </a:extLst>
           </p:cNvPr>
@@ -4325,8 +4721,8 @@
         </p:nvSpPr>
         <p:spPr>
           <a:xfrm>
-            <a:off x="1043608" y="1669368"/>
-            <a:ext cx="6648450" cy="1143000"/>
+            <a:off x="7020272" y="2012329"/>
+            <a:ext cx="1420850" cy="992951"/>
           </a:xfrm>
           <a:prstGeom prst="roundRect">
             <a:avLst/>
@@ -4354,45 +4750,101 @@
           <a:p>
             <a:pPr algn="ctr"/>
             <a:r>
-              <a:rPr kumimoji="1" lang="en-US" altLang="ja-JP" dirty="0"/>
-              <a:t>S_CREATE_SPHERE</a:t>
-            </a:r>
-            <a:r>
-              <a:rPr kumimoji="1" lang="ja-JP" altLang="en-US" dirty="0"/>
-              <a:t>と</a:t>
-            </a:r>
-            <a:r>
-              <a:rPr kumimoji="1" lang="en-US" altLang="ja-JP" dirty="0"/>
-              <a:t>S_CREATE_CYLINDER</a:t>
-            </a:r>
-            <a:r>
-              <a:rPr kumimoji="1" lang="ja-JP" altLang="en-US" dirty="0"/>
-              <a:t>を下図のように作成。</a:t>
-            </a:r>
-            <a:endParaRPr lang="en-US" altLang="ja-JP" dirty="0"/>
-          </a:p>
-          <a:p>
-            <a:pPr algn="ctr"/>
-            <a:r>
-              <a:rPr kumimoji="1" lang="ja-JP" altLang="en-US" dirty="0"/>
-              <a:t>両ステート共に</a:t>
-            </a:r>
-            <a:r>
-              <a:rPr kumimoji="1" lang="en-US" altLang="ja-JP" dirty="0" err="1"/>
+              <a:rPr kumimoji="1" lang="ja-JP" altLang="en-US" sz="1600" dirty="0"/>
+              <a:t>それぞれの</a:t>
+            </a:r>
+            <a:r>
+              <a:rPr kumimoji="1" lang="en-US" altLang="ja-JP" sz="1600" dirty="0" err="1"/>
               <a:t>init</a:t>
             </a:r>
             <a:r>
-              <a:rPr kumimoji="1" lang="ja-JP" altLang="en-US" dirty="0"/>
-              <a:t>欄に呼出し関数を記入する。</a:t>
-            </a:r>
-            <a:endParaRPr kumimoji="1" lang="en-US" altLang="ja-JP" dirty="0"/>
+              <a:rPr kumimoji="1" lang="ja-JP" altLang="en-US" sz="1600" dirty="0"/>
+              <a:t>項に入力</a:t>
+            </a:r>
+          </a:p>
+        </p:txBody>
+      </p:sp>
+      <p:sp>
+        <p:nvSpPr>
+          <p:cNvPr id="11" name="正方形/長方形 10">
+            <a:extLst>
+              <a:ext uri="{FF2B5EF4-FFF2-40B4-BE49-F238E27FC236}">
+                <a16:creationId xmlns:a16="http://schemas.microsoft.com/office/drawing/2014/main" id="{63A40D00-38A6-42F5-9063-7D0044B7C182}"/>
+              </a:ext>
+            </a:extLst>
+          </p:cNvPr>
+          <p:cNvSpPr/>
+          <p:nvPr/>
+        </p:nvSpPr>
+        <p:spPr>
+          <a:xfrm>
+            <a:off x="1125433" y="4941168"/>
+            <a:ext cx="7128792" cy="1426170"/>
+          </a:xfrm>
+          <a:prstGeom prst="rect">
+            <a:avLst/>
+          </a:prstGeom>
+        </p:spPr>
+        <p:style>
+          <a:lnRef idx="2">
+            <a:schemeClr val="accent1">
+              <a:shade val="50000"/>
+            </a:schemeClr>
+          </a:lnRef>
+          <a:fillRef idx="1">
+            <a:schemeClr val="accent1"/>
+          </a:fillRef>
+          <a:effectRef idx="0">
+            <a:schemeClr val="accent1"/>
+          </a:effectRef>
+          <a:fontRef idx="minor">
+            <a:schemeClr val="lt1"/>
+          </a:fontRef>
+        </p:style>
+        <p:txBody>
+          <a:bodyPr rtlCol="0" anchor="t"/>
+          <a:lstStyle/>
+          <a:p>
+            <a:r>
+              <a:rPr kumimoji="1" lang="ja-JP" altLang="en-US" sz="1400" dirty="0"/>
+              <a:t>本ツールでは、入力補助がないため長い命令の場合にタイプミスが発生しやすい。</a:t>
+            </a:r>
+            <a:endParaRPr kumimoji="1" lang="en-US" altLang="ja-JP" sz="1400" dirty="0"/>
+          </a:p>
+          <a:p>
+            <a:r>
+              <a:rPr kumimoji="1" lang="ja-JP" altLang="en-US" sz="1400" dirty="0"/>
+              <a:t>その場合・・</a:t>
+            </a:r>
+            <a:endParaRPr kumimoji="1" lang="en-US" altLang="ja-JP" sz="1400" dirty="0"/>
+          </a:p>
+          <a:p>
+            <a:endParaRPr kumimoji="1" lang="en-US" altLang="ja-JP" sz="1400" dirty="0"/>
+          </a:p>
+          <a:p>
+            <a:r>
+              <a:rPr kumimoji="1" lang="ja-JP" altLang="en-US" sz="1400" dirty="0"/>
+              <a:t>方法１）　入力補助機能付きエディタで同クラス内に潔な名前のＡＰＩを作成して、呼び出す。</a:t>
+            </a:r>
+            <a:endParaRPr kumimoji="1" lang="en-US" altLang="ja-JP" sz="1400" dirty="0"/>
+          </a:p>
+          <a:p>
+            <a:r>
+              <a:rPr kumimoji="1" lang="ja-JP" altLang="en-US" sz="1400" dirty="0"/>
+              <a:t>方法２）　一度、</a:t>
+            </a:r>
+            <a:r>
+              <a:rPr lang="ja-JP" altLang="en-US" sz="1400" dirty="0"/>
+              <a:t>入力補助機能付きエディタで確認後、コピペする。</a:t>
+            </a:r>
+            <a:endParaRPr kumimoji="1" lang="ja-JP" altLang="en-US" sz="1400" dirty="0"/>
           </a:p>
         </p:txBody>
       </p:sp>
     </p:spTree>
     <p:extLst>
       <p:ext uri="{BB962C8B-B14F-4D97-AF65-F5344CB8AC3E}">
-        <p14:creationId xmlns:p14="http://schemas.microsoft.com/office/powerpoint/2010/main" val="1014943288"/>
+        <p14:creationId xmlns:p14="http://schemas.microsoft.com/office/powerpoint/2010/main" val="2065221165"/>
       </p:ext>
     </p:extLst>
   </p:cSld>
@@ -4424,7 +4876,7 @@
           <p:cNvPr id="2" name="タイトル 1">
             <a:extLst>
               <a:ext uri="{FF2B5EF4-FFF2-40B4-BE49-F238E27FC236}">
-                <a16:creationId xmlns:a16="http://schemas.microsoft.com/office/drawing/2014/main" id="{4A91554D-4832-4FE8-BC13-95C4B65B57BA}"/>
+                <a16:creationId xmlns:a16="http://schemas.microsoft.com/office/drawing/2014/main" id="{AA3E1148-DAEC-43E0-8206-40B956ACBB96}"/>
               </a:ext>
             </a:extLst>
           </p:cNvPr>
@@ -4437,29 +4889,12 @@
         </p:nvSpPr>
         <p:spPr/>
         <p:txBody>
-          <a:bodyPr>
-            <a:normAutofit fontScale="90000"/>
-          </a:bodyPr>
-          <a:lstStyle/>
-          <a:p>
-            <a:r>
-              <a:rPr kumimoji="1" lang="en-US" altLang="ja-JP" dirty="0"/>
-              <a:t>Step 7</a:t>
-            </a:r>
-            <a:br>
-              <a:rPr kumimoji="1" lang="en-US" altLang="ja-JP" dirty="0"/>
-            </a:br>
-            <a:r>
-              <a:rPr kumimoji="1" lang="en-US" altLang="ja-JP" dirty="0" err="1"/>
-              <a:t>set_zero_or_one</a:t>
-            </a:r>
-            <a:r>
-              <a:rPr kumimoji="1" lang="en-US" altLang="ja-JP" dirty="0"/>
-              <a:t>()</a:t>
-            </a:r>
+          <a:bodyPr/>
+          <a:lstStyle/>
+          <a:p>
             <a:r>
               <a:rPr kumimoji="1" lang="ja-JP" altLang="en-US" dirty="0"/>
-              <a:t>の実装</a:t>
+              <a:t>位置変更</a:t>
             </a:r>
           </a:p>
         </p:txBody>
@@ -4469,7 +4904,7 @@
           <p:cNvPr id="4" name="図 3">
             <a:extLst>
               <a:ext uri="{FF2B5EF4-FFF2-40B4-BE49-F238E27FC236}">
-                <a16:creationId xmlns:a16="http://schemas.microsoft.com/office/drawing/2014/main" id="{DBB8562E-B1E6-4D4F-A330-D1AB4FE7C3A2}"/>
+                <a16:creationId xmlns:a16="http://schemas.microsoft.com/office/drawing/2014/main" id="{D690B48D-7B22-41DF-955C-1C5775CD14F5}"/>
               </a:ext>
             </a:extLst>
           </p:cNvPr>
@@ -4486,8 +4921,8 @@
         </p:blipFill>
         <p:spPr>
           <a:xfrm>
-            <a:off x="1619672" y="2420888"/>
-            <a:ext cx="2457450" cy="1962150"/>
+            <a:off x="3491880" y="1556792"/>
+            <a:ext cx="1885950" cy="1714500"/>
           </a:xfrm>
           <a:prstGeom prst="rect">
             <a:avLst/>
@@ -4496,10 +4931,10 @@
       </p:pic>
       <p:sp>
         <p:nvSpPr>
-          <p:cNvPr id="5" name="矢印: 左 4">
+          <p:cNvPr id="6" name="正方形/長方形 5">
             <a:extLst>
               <a:ext uri="{FF2B5EF4-FFF2-40B4-BE49-F238E27FC236}">
-                <a16:creationId xmlns:a16="http://schemas.microsoft.com/office/drawing/2014/main" id="{E5319ECB-4B7A-4EB9-98D0-D3C78A9DC6EB}"/>
+                <a16:creationId xmlns:a16="http://schemas.microsoft.com/office/drawing/2014/main" id="{ED228CF2-6E28-4415-B306-9B461DF2A6DF}"/>
               </a:ext>
             </a:extLst>
           </p:cNvPr>
@@ -4508,15 +4943,12 @@
         </p:nvSpPr>
         <p:spPr>
           <a:xfrm>
-            <a:off x="4077122" y="3665396"/>
-            <a:ext cx="1348730" cy="614370"/>
-          </a:xfrm>
-          <a:prstGeom prst="leftArrow">
+            <a:off x="6876256" y="4293096"/>
+            <a:ext cx="1656184" cy="522610"/>
+          </a:xfrm>
+          <a:prstGeom prst="rect">
             <a:avLst/>
           </a:prstGeom>
-          <a:ln>
-            <a:noFill/>
-          </a:ln>
         </p:spPr>
         <p:style>
           <a:lnRef idx="2">
@@ -4539,135 +4971,51 @@
           <a:lstStyle/>
           <a:p>
             <a:pPr algn="ctr"/>
-            <a:endParaRPr kumimoji="1" lang="ja-JP" altLang="en-US"/>
-          </a:p>
-        </p:txBody>
-      </p:sp>
-      <p:sp>
-        <p:nvSpPr>
-          <p:cNvPr id="6" name="正方形/長方形 5">
+            <a:r>
+              <a:rPr kumimoji="1" lang="en-US" altLang="ja-JP" dirty="0" err="1"/>
+              <a:t>init</a:t>
+            </a:r>
+            <a:r>
+              <a:rPr kumimoji="1" lang="ja-JP" altLang="en-US" dirty="0"/>
+              <a:t>項に入力</a:t>
+            </a:r>
+          </a:p>
+        </p:txBody>
+      </p:sp>
+      <p:pic>
+        <p:nvPicPr>
+          <p:cNvPr id="7" name="図 6">
             <a:extLst>
               <a:ext uri="{FF2B5EF4-FFF2-40B4-BE49-F238E27FC236}">
-                <a16:creationId xmlns:a16="http://schemas.microsoft.com/office/drawing/2014/main" id="{F2143408-5064-4467-8EAF-AB821A7B7BF9}"/>
+                <a16:creationId xmlns:a16="http://schemas.microsoft.com/office/drawing/2014/main" id="{417483B7-B369-4EDC-9766-F587F5AFA283}"/>
               </a:ext>
             </a:extLst>
           </p:cNvPr>
-          <p:cNvSpPr/>
+          <p:cNvPicPr>
+            <a:picLocks noChangeAspect="1"/>
+          </p:cNvPicPr>
           <p:nvPr/>
-        </p:nvSpPr>
+        </p:nvPicPr>
+        <p:blipFill>
+          <a:blip r:embed="rId3"/>
+          <a:stretch>
+            <a:fillRect/>
+          </a:stretch>
+        </p:blipFill>
         <p:spPr>
           <a:xfrm>
-            <a:off x="2848397" y="3717032"/>
-            <a:ext cx="1147539" cy="504056"/>
+            <a:off x="2286967" y="4157526"/>
+            <a:ext cx="4295775" cy="1495425"/>
           </a:xfrm>
           <a:prstGeom prst="rect">
             <a:avLst/>
           </a:prstGeom>
-          <a:noFill/>
-          <a:ln w="57150">
-            <a:solidFill>
-              <a:srgbClr val="FF0000"/>
-            </a:solidFill>
-          </a:ln>
-        </p:spPr>
-        <p:style>
-          <a:lnRef idx="2">
-            <a:schemeClr val="accent1">
-              <a:shade val="50000"/>
-            </a:schemeClr>
-          </a:lnRef>
-          <a:fillRef idx="1">
-            <a:schemeClr val="accent1"/>
-          </a:fillRef>
-          <a:effectRef idx="0">
-            <a:schemeClr val="accent1"/>
-          </a:effectRef>
-          <a:fontRef idx="minor">
-            <a:schemeClr val="lt1"/>
-          </a:fontRef>
-        </p:style>
-        <p:txBody>
-          <a:bodyPr rtlCol="0" anchor="ctr"/>
-          <a:lstStyle/>
-          <a:p>
-            <a:pPr algn="ctr"/>
-            <a:endParaRPr kumimoji="1" lang="ja-JP" altLang="en-US"/>
-          </a:p>
-        </p:txBody>
-      </p:sp>
-      <p:sp>
-        <p:nvSpPr>
-          <p:cNvPr id="7" name="四角形: 角を丸くする 6">
-            <a:extLst>
-              <a:ext uri="{FF2B5EF4-FFF2-40B4-BE49-F238E27FC236}">
-                <a16:creationId xmlns:a16="http://schemas.microsoft.com/office/drawing/2014/main" id="{4C048652-BEF5-4215-BA9F-3760366F3414}"/>
-              </a:ext>
-            </a:extLst>
-          </p:cNvPr>
-          <p:cNvSpPr/>
-          <p:nvPr/>
-        </p:nvSpPr>
-        <p:spPr>
-          <a:xfrm>
-            <a:off x="5305847" y="3212976"/>
-            <a:ext cx="2938561" cy="1440160"/>
-          </a:xfrm>
-          <a:prstGeom prst="roundRect">
-            <a:avLst/>
-          </a:prstGeom>
-          <a:ln>
-            <a:noFill/>
-          </a:ln>
-        </p:spPr>
-        <p:style>
-          <a:lnRef idx="2">
-            <a:schemeClr val="accent1">
-              <a:shade val="50000"/>
-            </a:schemeClr>
-          </a:lnRef>
-          <a:fillRef idx="1">
-            <a:schemeClr val="accent1"/>
-          </a:fillRef>
-          <a:effectRef idx="0">
-            <a:schemeClr val="accent1"/>
-          </a:effectRef>
-          <a:fontRef idx="minor">
-            <a:schemeClr val="lt1"/>
-          </a:fontRef>
-        </p:style>
-        <p:txBody>
-          <a:bodyPr rtlCol="0" anchor="ctr"/>
-          <a:lstStyle/>
-          <a:p>
-            <a:pPr algn="ctr"/>
-            <a:r>
-              <a:rPr lang="ja-JP" altLang="en-US" dirty="0"/>
-              <a:t>ユーティリティパネルの</a:t>
-            </a:r>
-            <a:r>
-              <a:rPr lang="en-US" altLang="ja-JP" dirty="0"/>
-              <a:t>【</a:t>
-            </a:r>
-            <a:r>
-              <a:rPr lang="ja-JP" altLang="en-US" dirty="0"/>
-              <a:t>実装用ソースを開く</a:t>
-            </a:r>
-            <a:r>
-              <a:rPr lang="en-US" altLang="ja-JP" dirty="0"/>
-              <a:t>】</a:t>
-            </a:r>
-            <a:r>
-              <a:rPr lang="ja-JP" altLang="en-US" dirty="0"/>
-              <a:t>ボタンを押す。</a:t>
-            </a:r>
-            <a:endParaRPr kumimoji="1" lang="ja-JP" altLang="en-US" dirty="0"/>
-          </a:p>
-        </p:txBody>
-      </p:sp>
+        </p:spPr>
+      </p:pic>
     </p:spTree>
     <p:extLst>
       <p:ext uri="{BB962C8B-B14F-4D97-AF65-F5344CB8AC3E}">
-        <p14:creationId xmlns:p14="http://schemas.microsoft.com/office/powerpoint/2010/main" val="3107865341"/>
+        <p14:creationId xmlns:p14="http://schemas.microsoft.com/office/powerpoint/2010/main" val="3910873159"/>
       </p:ext>
     </p:extLst>
   </p:cSld>
@@ -4696,10 +5044,68 @@
       </p:grpSpPr>
       <p:sp>
         <p:nvSpPr>
-          <p:cNvPr id="4" name="正方形/長方形 3">
+          <p:cNvPr id="2" name="タイトル 1">
             <a:extLst>
               <a:ext uri="{FF2B5EF4-FFF2-40B4-BE49-F238E27FC236}">
-                <a16:creationId xmlns:a16="http://schemas.microsoft.com/office/drawing/2014/main" id="{03CB7522-F2ED-4CC6-9945-699978873415}"/>
+                <a16:creationId xmlns:a16="http://schemas.microsoft.com/office/drawing/2014/main" id="{930D710D-5F86-4FC9-9444-74F03659F797}"/>
+              </a:ext>
+            </a:extLst>
+          </p:cNvPr>
+          <p:cNvSpPr>
+            <a:spLocks noGrp="1"/>
+          </p:cNvSpPr>
+          <p:nvPr>
+            <p:ph type="title"/>
+          </p:nvPr>
+        </p:nvSpPr>
+        <p:spPr/>
+        <p:txBody>
+          <a:bodyPr/>
+          <a:lstStyle/>
+          <a:p>
+            <a:r>
+              <a:rPr kumimoji="1" lang="ja-JP" altLang="en-US" dirty="0"/>
+              <a:t>補足：ソースの編集について</a:t>
+            </a:r>
+          </a:p>
+        </p:txBody>
+      </p:sp>
+      <p:pic>
+        <p:nvPicPr>
+          <p:cNvPr id="4" name="図 3">
+            <a:extLst>
+              <a:ext uri="{FF2B5EF4-FFF2-40B4-BE49-F238E27FC236}">
+                <a16:creationId xmlns:a16="http://schemas.microsoft.com/office/drawing/2014/main" id="{B078CA35-03D7-4C4A-9910-F46C2A549002}"/>
+              </a:ext>
+            </a:extLst>
+          </p:cNvPr>
+          <p:cNvPicPr>
+            <a:picLocks noChangeAspect="1"/>
+          </p:cNvPicPr>
+          <p:nvPr/>
+        </p:nvPicPr>
+        <p:blipFill>
+          <a:blip r:embed="rId2"/>
+          <a:stretch>
+            <a:fillRect/>
+          </a:stretch>
+        </p:blipFill>
+        <p:spPr>
+          <a:xfrm>
+            <a:off x="251520" y="1844824"/>
+            <a:ext cx="2466975" cy="1762125"/>
+          </a:xfrm>
+          <a:prstGeom prst="rect">
+            <a:avLst/>
+          </a:prstGeom>
+        </p:spPr>
+      </p:pic>
+      <p:sp>
+        <p:nvSpPr>
+          <p:cNvPr id="5" name="正方形/長方形 4">
+            <a:extLst>
+              <a:ext uri="{FF2B5EF4-FFF2-40B4-BE49-F238E27FC236}">
+                <a16:creationId xmlns:a16="http://schemas.microsoft.com/office/drawing/2014/main" id="{740E7778-8A13-441B-AB1B-7A9B023715FF}"/>
               </a:ext>
             </a:extLst>
           </p:cNvPr>
@@ -4708,13 +5114,18 @@
         </p:nvSpPr>
         <p:spPr>
           <a:xfrm>
-            <a:off x="539552" y="1124744"/>
-            <a:ext cx="5904656" cy="3816424"/>
+            <a:off x="251520" y="2852936"/>
+            <a:ext cx="1224136" cy="360040"/>
           </a:xfrm>
           <a:prstGeom prst="rect">
             <a:avLst/>
           </a:prstGeom>
           <a:noFill/>
+          <a:ln>
+            <a:solidFill>
+              <a:srgbClr val="FF0000"/>
+            </a:solidFill>
+          </a:ln>
         </p:spPr>
         <p:style>
           <a:lnRef idx="2">
@@ -4733,284 +5144,64 @@
           </a:fontRef>
         </p:style>
         <p:txBody>
-          <a:bodyPr rtlCol="0" anchor="t"/>
-          <a:lstStyle/>
-          <a:p>
-            <a:r>
-              <a:rPr lang="en-US" altLang="ja-JP" dirty="0">
-                <a:solidFill>
-                  <a:schemeClr val="tx1"/>
-                </a:solidFill>
-              </a:rPr>
-              <a:t>	</a:t>
-            </a:r>
-            <a:r>
-              <a:rPr lang="ja-JP" altLang="en-US" dirty="0">
-                <a:solidFill>
-                  <a:schemeClr val="tx1"/>
-                </a:solidFill>
-              </a:rPr>
-              <a:t>　　　</a:t>
-            </a:r>
-            <a:r>
-              <a:rPr lang="en-US" altLang="ja-JP" dirty="0">
-                <a:solidFill>
-                  <a:schemeClr val="tx1"/>
-                </a:solidFill>
-              </a:rPr>
-              <a:t>:	</a:t>
-            </a:r>
-          </a:p>
-          <a:p>
-            <a:r>
-              <a:rPr lang="ja-JP" altLang="en-US" dirty="0">
-                <a:solidFill>
-                  <a:schemeClr val="tx1"/>
-                </a:solidFill>
-              </a:rPr>
-              <a:t>    </a:t>
-            </a:r>
-            <a:r>
-              <a:rPr lang="en-US" altLang="ja-JP" dirty="0">
-                <a:solidFill>
-                  <a:schemeClr val="tx1"/>
-                </a:solidFill>
-              </a:rPr>
-              <a:t>void </a:t>
-            </a:r>
-            <a:r>
-              <a:rPr lang="en-US" altLang="ja-JP" dirty="0" err="1">
-                <a:solidFill>
-                  <a:schemeClr val="tx1"/>
-                </a:solidFill>
-              </a:rPr>
-              <a:t>create_cube</a:t>
-            </a:r>
-            <a:r>
-              <a:rPr lang="en-US" altLang="ja-JP" dirty="0">
-                <a:solidFill>
-                  <a:schemeClr val="tx1"/>
-                </a:solidFill>
-              </a:rPr>
-              <a:t>()</a:t>
-            </a:r>
-          </a:p>
-          <a:p>
-            <a:r>
-              <a:rPr lang="en-US" altLang="ja-JP" dirty="0">
-                <a:solidFill>
-                  <a:schemeClr val="tx1"/>
-                </a:solidFill>
-              </a:rPr>
-              <a:t>    {</a:t>
-            </a:r>
-          </a:p>
-          <a:p>
-            <a:r>
-              <a:rPr lang="en-US" altLang="ja-JP" dirty="0">
-                <a:solidFill>
-                  <a:schemeClr val="tx1"/>
-                </a:solidFill>
-              </a:rPr>
-              <a:t>        </a:t>
-            </a:r>
-            <a:r>
-              <a:rPr lang="en-US" altLang="ja-JP" dirty="0" err="1">
-                <a:solidFill>
-                  <a:schemeClr val="tx1"/>
-                </a:solidFill>
-              </a:rPr>
-              <a:t>GameObject.CreatePrimitive</a:t>
-            </a:r>
-            <a:r>
-              <a:rPr lang="en-US" altLang="ja-JP" dirty="0">
-                <a:solidFill>
-                  <a:schemeClr val="tx1"/>
-                </a:solidFill>
-              </a:rPr>
-              <a:t>(</a:t>
-            </a:r>
-            <a:r>
-              <a:rPr lang="en-US" altLang="ja-JP" dirty="0" err="1">
-                <a:solidFill>
-                  <a:schemeClr val="tx1"/>
-                </a:solidFill>
-              </a:rPr>
-              <a:t>PrimitiveType.Cube</a:t>
-            </a:r>
-            <a:r>
-              <a:rPr lang="en-US" altLang="ja-JP" dirty="0">
-                <a:solidFill>
-                  <a:schemeClr val="tx1"/>
-                </a:solidFill>
-              </a:rPr>
-              <a:t>);</a:t>
-            </a:r>
-          </a:p>
-          <a:p>
-            <a:r>
-              <a:rPr lang="en-US" altLang="ja-JP" dirty="0">
-                <a:solidFill>
-                  <a:schemeClr val="tx1"/>
-                </a:solidFill>
-              </a:rPr>
-              <a:t>    }</a:t>
-            </a:r>
-          </a:p>
-          <a:p>
-            <a:endParaRPr lang="en-US" altLang="ja-JP" dirty="0">
-              <a:solidFill>
-                <a:schemeClr val="tx1"/>
-              </a:solidFill>
-            </a:endParaRPr>
-          </a:p>
-          <a:p>
-            <a:r>
-              <a:rPr lang="en-US" altLang="ja-JP" dirty="0">
-                <a:solidFill>
-                  <a:schemeClr val="tx1"/>
-                </a:solidFill>
-              </a:rPr>
-              <a:t>    int </a:t>
-            </a:r>
-            <a:r>
-              <a:rPr lang="en-US" altLang="ja-JP" dirty="0" err="1">
-                <a:solidFill>
-                  <a:schemeClr val="tx1"/>
-                </a:solidFill>
-              </a:rPr>
-              <a:t>m_val</a:t>
-            </a:r>
-            <a:r>
-              <a:rPr lang="en-US" altLang="ja-JP" dirty="0">
-                <a:solidFill>
-                  <a:schemeClr val="tx1"/>
-                </a:solidFill>
-              </a:rPr>
-              <a:t>;</a:t>
-            </a:r>
-          </a:p>
-          <a:p>
-            <a:r>
-              <a:rPr lang="en-US" altLang="ja-JP" dirty="0">
-                <a:solidFill>
-                  <a:schemeClr val="tx1"/>
-                </a:solidFill>
-              </a:rPr>
-              <a:t>    void </a:t>
-            </a:r>
-            <a:r>
-              <a:rPr lang="en-US" altLang="ja-JP" dirty="0" err="1">
-                <a:solidFill>
-                  <a:schemeClr val="tx1"/>
-                </a:solidFill>
-              </a:rPr>
-              <a:t>set_zero_or_one</a:t>
-            </a:r>
-            <a:r>
-              <a:rPr lang="en-US" altLang="ja-JP" dirty="0">
-                <a:solidFill>
-                  <a:schemeClr val="tx1"/>
-                </a:solidFill>
-              </a:rPr>
-              <a:t>()</a:t>
-            </a:r>
-          </a:p>
-          <a:p>
-            <a:r>
-              <a:rPr lang="en-US" altLang="ja-JP" dirty="0">
-                <a:solidFill>
-                  <a:schemeClr val="tx1"/>
-                </a:solidFill>
-              </a:rPr>
-              <a:t>    {</a:t>
-            </a:r>
-          </a:p>
-          <a:p>
-            <a:r>
-              <a:rPr lang="en-US" altLang="ja-JP" dirty="0">
-                <a:solidFill>
-                  <a:schemeClr val="tx1"/>
-                </a:solidFill>
-              </a:rPr>
-              <a:t>        </a:t>
-            </a:r>
-            <a:r>
-              <a:rPr lang="en-US" altLang="ja-JP" dirty="0" err="1">
-                <a:solidFill>
-                  <a:schemeClr val="tx1"/>
-                </a:solidFill>
-              </a:rPr>
-              <a:t>m_val</a:t>
-            </a:r>
-            <a:r>
-              <a:rPr lang="en-US" altLang="ja-JP" dirty="0">
-                <a:solidFill>
-                  <a:schemeClr val="tx1"/>
-                </a:solidFill>
-              </a:rPr>
-              <a:t> = </a:t>
-            </a:r>
-            <a:r>
-              <a:rPr lang="en-US" altLang="ja-JP" dirty="0" err="1">
-                <a:solidFill>
-                  <a:schemeClr val="tx1"/>
-                </a:solidFill>
-              </a:rPr>
-              <a:t>Random.Range</a:t>
-            </a:r>
-            <a:r>
-              <a:rPr lang="en-US" altLang="ja-JP" dirty="0">
-                <a:solidFill>
-                  <a:schemeClr val="tx1"/>
-                </a:solidFill>
-              </a:rPr>
-              <a:t>(0,2);</a:t>
-            </a:r>
-          </a:p>
-          <a:p>
-            <a:r>
-              <a:rPr lang="en-US" altLang="ja-JP" dirty="0">
-                <a:solidFill>
-                  <a:schemeClr val="tx1"/>
-                </a:solidFill>
-              </a:rPr>
-              <a:t>     }</a:t>
-            </a:r>
-          </a:p>
-          <a:p>
-            <a:r>
-              <a:rPr lang="en-US" altLang="ja-JP" dirty="0">
-                <a:solidFill>
-                  <a:schemeClr val="tx1"/>
-                </a:solidFill>
-              </a:rPr>
-              <a:t>	</a:t>
-            </a:r>
-          </a:p>
-          <a:p>
-            <a:r>
-              <a:rPr lang="en-US" altLang="ja-JP" dirty="0">
-                <a:solidFill>
-                  <a:schemeClr val="tx1"/>
-                </a:solidFill>
-              </a:rPr>
-              <a:t>}</a:t>
-            </a:r>
-            <a:endParaRPr kumimoji="1" lang="ja-JP" altLang="en-US" dirty="0">
-              <a:solidFill>
-                <a:schemeClr val="tx1"/>
-              </a:solidFill>
-            </a:endParaRPr>
-          </a:p>
-        </p:txBody>
-      </p:sp>
-      <p:sp>
-        <p:nvSpPr>
-          <p:cNvPr id="7" name="正方形/長方形 6">
+          <a:bodyPr rtlCol="0" anchor="ctr"/>
+          <a:lstStyle/>
+          <a:p>
+            <a:pPr algn="ctr"/>
+            <a:endParaRPr kumimoji="1" lang="ja-JP" altLang="en-US"/>
+          </a:p>
+        </p:txBody>
+      </p:sp>
+      <p:cxnSp>
+        <p:nvCxnSpPr>
+          <p:cNvPr id="7" name="直線矢印コネクタ 6">
             <a:extLst>
               <a:ext uri="{FF2B5EF4-FFF2-40B4-BE49-F238E27FC236}">
-                <a16:creationId xmlns:a16="http://schemas.microsoft.com/office/drawing/2014/main" id="{A729674E-2A92-4D25-9B09-F9DCC80FD07F}"/>
+                <a16:creationId xmlns:a16="http://schemas.microsoft.com/office/drawing/2014/main" id="{795A3EFE-99CD-4C0D-9FE4-AE3B086EEA7C}"/>
+              </a:ext>
+            </a:extLst>
+          </p:cNvPr>
+          <p:cNvCxnSpPr>
+            <a:cxnSpLocks/>
+          </p:cNvCxnSpPr>
+          <p:nvPr/>
+        </p:nvCxnSpPr>
+        <p:spPr>
+          <a:xfrm flipV="1">
+            <a:off x="755576" y="3212977"/>
+            <a:ext cx="0" cy="1152127"/>
+          </a:xfrm>
+          <a:prstGeom prst="straightConnector1">
+            <a:avLst/>
+          </a:prstGeom>
+          <a:ln w="76200">
+            <a:solidFill>
+              <a:srgbClr val="0070C0"/>
+            </a:solidFill>
+            <a:tailEnd type="triangle"/>
+          </a:ln>
+        </p:spPr>
+        <p:style>
+          <a:lnRef idx="1">
+            <a:schemeClr val="accent1"/>
+          </a:lnRef>
+          <a:fillRef idx="0">
+            <a:schemeClr val="accent1"/>
+          </a:fillRef>
+          <a:effectRef idx="0">
+            <a:schemeClr val="accent1"/>
+          </a:effectRef>
+          <a:fontRef idx="minor">
+            <a:schemeClr val="tx1"/>
+          </a:fontRef>
+        </p:style>
+      </p:cxnSp>
+      <p:sp>
+        <p:nvSpPr>
+          <p:cNvPr id="9" name="正方形/長方形 8">
+            <a:extLst>
+              <a:ext uri="{FF2B5EF4-FFF2-40B4-BE49-F238E27FC236}">
+                <a16:creationId xmlns:a16="http://schemas.microsoft.com/office/drawing/2014/main" id="{69B8FCDA-42B0-4E66-A766-D46669B2B250}"/>
               </a:ext>
             </a:extLst>
           </p:cNvPr>
@@ -5019,18 +5210,15 @@
         </p:nvSpPr>
         <p:spPr>
           <a:xfrm>
-            <a:off x="755576" y="2780928"/>
-            <a:ext cx="3600400" cy="1512168"/>
+            <a:off x="143508" y="4221088"/>
+            <a:ext cx="1224136" cy="648072"/>
           </a:xfrm>
           <a:prstGeom prst="rect">
             <a:avLst/>
           </a:prstGeom>
-          <a:noFill/>
-          <a:ln w="38100">
-            <a:solidFill>
-              <a:srgbClr val="FF0000"/>
-            </a:solidFill>
-          </a:ln>
+          <a:solidFill>
+            <a:srgbClr val="0070C0"/>
+          </a:solidFill>
         </p:spPr>
         <p:style>
           <a:lnRef idx="2">
@@ -5053,16 +5241,57 @@
           <a:lstStyle/>
           <a:p>
             <a:pPr algn="ctr"/>
-            <a:endParaRPr kumimoji="1" lang="ja-JP" altLang="en-US"/>
-          </a:p>
-        </p:txBody>
-      </p:sp>
-      <p:sp>
-        <p:nvSpPr>
-          <p:cNvPr id="8" name="正方形/長方形 7">
+            <a:r>
+              <a:rPr kumimoji="1" lang="ja-JP" altLang="en-US" dirty="0"/>
+              <a:t>ソース</a:t>
+            </a:r>
+            <a:endParaRPr kumimoji="1" lang="en-US" altLang="ja-JP" dirty="0"/>
+          </a:p>
+          <a:p>
+            <a:pPr algn="ctr"/>
+            <a:r>
+              <a:rPr kumimoji="1" lang="ja-JP" altLang="en-US" dirty="0"/>
+              <a:t>表示</a:t>
+            </a:r>
+          </a:p>
+        </p:txBody>
+      </p:sp>
+      <p:pic>
+        <p:nvPicPr>
+          <p:cNvPr id="10" name="図 9">
             <a:extLst>
               <a:ext uri="{FF2B5EF4-FFF2-40B4-BE49-F238E27FC236}">
-                <a16:creationId xmlns:a16="http://schemas.microsoft.com/office/drawing/2014/main" id="{22375DC2-8634-47AC-8373-2412971897D7}"/>
+                <a16:creationId xmlns:a16="http://schemas.microsoft.com/office/drawing/2014/main" id="{B347822F-B1F4-4768-B462-169511FA4F09}"/>
+              </a:ext>
+            </a:extLst>
+          </p:cNvPr>
+          <p:cNvPicPr>
+            <a:picLocks noChangeAspect="1"/>
+          </p:cNvPicPr>
+          <p:nvPr/>
+        </p:nvPicPr>
+        <p:blipFill>
+          <a:blip r:embed="rId3"/>
+          <a:stretch>
+            <a:fillRect/>
+          </a:stretch>
+        </p:blipFill>
+        <p:spPr>
+          <a:xfrm>
+            <a:off x="3222551" y="1553274"/>
+            <a:ext cx="2983064" cy="4471532"/>
+          </a:xfrm>
+          <a:prstGeom prst="rect">
+            <a:avLst/>
+          </a:prstGeom>
+        </p:spPr>
+      </p:pic>
+      <p:sp>
+        <p:nvSpPr>
+          <p:cNvPr id="11" name="正方形/長方形 10">
+            <a:extLst>
+              <a:ext uri="{FF2B5EF4-FFF2-40B4-BE49-F238E27FC236}">
+                <a16:creationId xmlns:a16="http://schemas.microsoft.com/office/drawing/2014/main" id="{7AD76A31-632E-475D-A52E-1EAFED4EABE6}"/>
               </a:ext>
             </a:extLst>
           </p:cNvPr>
@@ -5071,8 +5300,8 @@
         </p:nvSpPr>
         <p:spPr>
           <a:xfrm>
-            <a:off x="539552" y="620688"/>
-            <a:ext cx="2376264" cy="360040"/>
+            <a:off x="6444208" y="1701168"/>
+            <a:ext cx="2448272" cy="1143000"/>
           </a:xfrm>
           <a:prstGeom prst="rect">
             <a:avLst/>
@@ -5095,24 +5324,26 @@
           </a:fontRef>
         </p:style>
         <p:txBody>
-          <a:bodyPr rtlCol="0" anchor="ctr"/>
-          <a:lstStyle/>
-          <a:p>
-            <a:pPr algn="ctr"/>
-            <a:r>
-              <a:rPr lang="en-US" altLang="ja-JP" dirty="0" err="1"/>
-              <a:t>TestControl.cs</a:t>
-            </a:r>
+          <a:bodyPr rtlCol="0" anchor="t"/>
+          <a:lstStyle/>
+          <a:p>
+            <a:r>
+              <a:rPr lang="ja-JP" altLang="en-US" dirty="0"/>
+              <a:t>変換ソースへメソッド、メンバ変数等の追加が可能。</a:t>
+            </a:r>
+            <a:endParaRPr lang="en-US" altLang="ja-JP" dirty="0"/>
+          </a:p>
+          <a:p>
             <a:endParaRPr kumimoji="1" lang="ja-JP" altLang="en-US" dirty="0"/>
           </a:p>
         </p:txBody>
       </p:sp>
       <p:sp>
         <p:nvSpPr>
-          <p:cNvPr id="9" name="矢印: 左 8">
+          <p:cNvPr id="12" name="正方形/長方形 11">
             <a:extLst>
               <a:ext uri="{FF2B5EF4-FFF2-40B4-BE49-F238E27FC236}">
-                <a16:creationId xmlns:a16="http://schemas.microsoft.com/office/drawing/2014/main" id="{3ADDE341-A80C-4256-B6CF-70E453188574}"/>
+                <a16:creationId xmlns:a16="http://schemas.microsoft.com/office/drawing/2014/main" id="{F6B857B1-25D6-4512-B3B0-826540054BF6}"/>
               </a:ext>
             </a:extLst>
           </p:cNvPr>
@@ -5121,15 +5352,17 @@
         </p:nvSpPr>
         <p:spPr>
           <a:xfrm>
-            <a:off x="4572000" y="3068960"/>
-            <a:ext cx="2232248" cy="792088"/>
-          </a:xfrm>
-          <a:prstGeom prst="leftArrow">
+            <a:off x="6417880" y="3442333"/>
+            <a:ext cx="2448272" cy="2002892"/>
+          </a:xfrm>
+          <a:prstGeom prst="rect">
             <a:avLst/>
           </a:prstGeom>
-          <a:ln>
-            <a:noFill/>
-          </a:ln>
+          <a:solidFill>
+            <a:schemeClr val="accent2">
+              <a:lumMod val="75000"/>
+            </a:schemeClr>
+          </a:solidFill>
         </p:spPr>
         <p:style>
           <a:lnRef idx="2">
@@ -5148,70 +5381,62 @@
           </a:fontRef>
         </p:style>
         <p:txBody>
-          <a:bodyPr rtlCol="0" anchor="ctr"/>
-          <a:lstStyle/>
-          <a:p>
-            <a:pPr algn="ctr"/>
-            <a:endParaRPr kumimoji="1" lang="ja-JP" altLang="en-US"/>
-          </a:p>
-        </p:txBody>
-      </p:sp>
-      <p:sp>
-        <p:nvSpPr>
-          <p:cNvPr id="10" name="四角形: 角を丸くする 9">
-            <a:extLst>
-              <a:ext uri="{FF2B5EF4-FFF2-40B4-BE49-F238E27FC236}">
-                <a16:creationId xmlns:a16="http://schemas.microsoft.com/office/drawing/2014/main" id="{A61D5AFE-BB2E-4734-BED2-8D9FC9E9B23A}"/>
-              </a:ext>
-            </a:extLst>
-          </p:cNvPr>
-          <p:cNvSpPr/>
-          <p:nvPr/>
-        </p:nvSpPr>
-        <p:spPr>
-          <a:xfrm>
-            <a:off x="6660232" y="2816932"/>
-            <a:ext cx="1944216" cy="1296144"/>
-          </a:xfrm>
-          <a:prstGeom prst="roundRect">
-            <a:avLst/>
-          </a:prstGeom>
-          <a:ln>
-            <a:noFill/>
-          </a:ln>
-        </p:spPr>
-        <p:style>
-          <a:lnRef idx="2">
-            <a:schemeClr val="accent1">
-              <a:shade val="50000"/>
-            </a:schemeClr>
-          </a:lnRef>
-          <a:fillRef idx="1">
-            <a:schemeClr val="accent1"/>
-          </a:fillRef>
-          <a:effectRef idx="0">
-            <a:schemeClr val="accent1"/>
-          </a:effectRef>
-          <a:fontRef idx="minor">
-            <a:schemeClr val="lt1"/>
-          </a:fontRef>
-        </p:style>
-        <p:txBody>
-          <a:bodyPr rtlCol="0" anchor="ctr"/>
-          <a:lstStyle/>
-          <a:p>
-            <a:pPr algn="ctr"/>
-            <a:r>
-              <a:rPr kumimoji="1" lang="ja-JP" altLang="en-US" dirty="0"/>
-              <a:t>追加</a:t>
-            </a:r>
+          <a:bodyPr rtlCol="0" anchor="t"/>
+          <a:lstStyle/>
+          <a:p>
+            <a:r>
+              <a:rPr lang="ja-JP" altLang="en-US" dirty="0"/>
+              <a:t>但し、変換結果挿入部分は除く。</a:t>
+            </a:r>
+            <a:endParaRPr lang="en-US" altLang="ja-JP" dirty="0"/>
+          </a:p>
+          <a:p>
+            <a:endParaRPr kumimoji="1" lang="en-US" altLang="ja-JP" dirty="0"/>
+          </a:p>
+          <a:p>
+            <a:r>
+              <a:rPr lang="en-US" altLang="ja-JP" sz="1400" dirty="0"/>
+              <a:t>// [SYN-G-GEN OUTPUT START]</a:t>
+            </a:r>
+          </a:p>
+          <a:p>
+            <a:r>
+              <a:rPr lang="ja-JP" altLang="en-US" sz="1400" dirty="0"/>
+              <a:t>　　　　　　：</a:t>
+            </a:r>
+            <a:endParaRPr lang="en-US" altLang="ja-JP" sz="1400" dirty="0"/>
+          </a:p>
+          <a:p>
+            <a:r>
+              <a:rPr lang="ja-JP" altLang="en-US" sz="1400" dirty="0"/>
+              <a:t>　　　　　　：</a:t>
+            </a:r>
+            <a:endParaRPr lang="en-US" altLang="ja-JP" sz="1400" dirty="0"/>
+          </a:p>
+          <a:p>
+            <a:r>
+              <a:rPr lang="en-US" altLang="ja-JP" sz="1400" dirty="0"/>
+              <a:t>// [SYN-G-GEN OUTPUT END]</a:t>
+            </a:r>
+          </a:p>
+          <a:p>
+            <a:endParaRPr lang="en-US" altLang="ja-JP" sz="1400" dirty="0"/>
+          </a:p>
+          <a:p>
+            <a:r>
+              <a:rPr lang="en-US" altLang="ja-JP" sz="1400" dirty="0"/>
+              <a:t> </a:t>
+            </a:r>
+          </a:p>
+          <a:p>
+            <a:endParaRPr kumimoji="1" lang="ja-JP" altLang="en-US" dirty="0"/>
           </a:p>
         </p:txBody>
       </p:sp>
     </p:spTree>
     <p:extLst>
       <p:ext uri="{BB962C8B-B14F-4D97-AF65-F5344CB8AC3E}">
-        <p14:creationId xmlns:p14="http://schemas.microsoft.com/office/powerpoint/2010/main" val="3514659465"/>
+        <p14:creationId xmlns:p14="http://schemas.microsoft.com/office/powerpoint/2010/main" val="3801951422"/>
       </p:ext>
     </p:extLst>
   </p:cSld>
@@ -5238,12 +5463,42 @@
           <a:chExt cx="0" cy="0"/>
         </a:xfrm>
       </p:grpSpPr>
+      <p:pic>
+        <p:nvPicPr>
+          <p:cNvPr id="3" name="図 2">
+            <a:extLst>
+              <a:ext uri="{FF2B5EF4-FFF2-40B4-BE49-F238E27FC236}">
+                <a16:creationId xmlns:a16="http://schemas.microsoft.com/office/drawing/2014/main" id="{4047118C-1EFB-425A-802A-D7343D6FF98A}"/>
+              </a:ext>
+            </a:extLst>
+          </p:cNvPr>
+          <p:cNvPicPr>
+            <a:picLocks noChangeAspect="1"/>
+          </p:cNvPicPr>
+          <p:nvPr/>
+        </p:nvPicPr>
+        <p:blipFill>
+          <a:blip r:embed="rId2"/>
+          <a:stretch>
+            <a:fillRect/>
+          </a:stretch>
+        </p:blipFill>
+        <p:spPr>
+          <a:xfrm>
+            <a:off x="1537303" y="2509837"/>
+            <a:ext cx="2552700" cy="1838325"/>
+          </a:xfrm>
+          <a:prstGeom prst="rect">
+            <a:avLst/>
+          </a:prstGeom>
+        </p:spPr>
+      </p:pic>
       <p:sp>
         <p:nvSpPr>
           <p:cNvPr id="2" name="タイトル 1">
             <a:extLst>
               <a:ext uri="{FF2B5EF4-FFF2-40B4-BE49-F238E27FC236}">
-                <a16:creationId xmlns:a16="http://schemas.microsoft.com/office/drawing/2014/main" id="{13C22177-126E-4535-B3FD-253A1D870FDA}"/>
+                <a16:creationId xmlns:a16="http://schemas.microsoft.com/office/drawing/2014/main" id="{5574390D-9970-45AD-A020-71FD30B744C1}"/>
               </a:ext>
             </a:extLst>
           </p:cNvPr>
@@ -5263,48 +5518,24 @@
           <a:p>
             <a:r>
               <a:rPr kumimoji="1" lang="en-US" altLang="ja-JP" dirty="0"/>
-              <a:t>Step 8</a:t>
+              <a:t>Step 7</a:t>
             </a:r>
             <a:br>
               <a:rPr kumimoji="1" lang="en-US" altLang="ja-JP" dirty="0"/>
             </a:br>
             <a:r>
-              <a:rPr kumimoji="1" lang="en-US" altLang="ja-JP" dirty="0" err="1"/>
-              <a:t>br_</a:t>
-            </a:r>
-            <a:r>
-              <a:rPr lang="en-US" altLang="ja-JP" dirty="0" err="1"/>
-              <a:t>zero</a:t>
-            </a:r>
-            <a:r>
-              <a:rPr kumimoji="1" lang="en-US" altLang="ja-JP" dirty="0"/>
-              <a:t>()</a:t>
-            </a:r>
-            <a:r>
               <a:rPr kumimoji="1" lang="ja-JP" altLang="en-US" dirty="0"/>
-              <a:t>と</a:t>
-            </a:r>
-            <a:r>
-              <a:rPr kumimoji="1" lang="en-US" altLang="ja-JP" dirty="0" err="1"/>
-              <a:t>br_one</a:t>
-            </a:r>
-            <a:r>
-              <a:rPr kumimoji="1" lang="en-US" altLang="ja-JP" dirty="0"/>
-              <a:t>()</a:t>
-            </a:r>
-            <a:r>
-              <a:rPr kumimoji="1" lang="ja-JP" altLang="en-US" dirty="0"/>
-              <a:t>の実装</a:t>
-            </a:r>
-          </a:p>
-        </p:txBody>
-      </p:sp>
-      <p:sp>
-        <p:nvSpPr>
-          <p:cNvPr id="4" name="正方形/長方形 3">
+              <a:t>変換と実行</a:t>
+            </a:r>
+          </a:p>
+        </p:txBody>
+      </p:sp>
+      <p:sp>
+        <p:nvSpPr>
+          <p:cNvPr id="5" name="正方形/長方形 4">
             <a:extLst>
               <a:ext uri="{FF2B5EF4-FFF2-40B4-BE49-F238E27FC236}">
-                <a16:creationId xmlns:a16="http://schemas.microsoft.com/office/drawing/2014/main" id="{A6B20363-BDEF-4A6B-9DA8-35A8B3A7093B}"/>
+                <a16:creationId xmlns:a16="http://schemas.microsoft.com/office/drawing/2014/main" id="{934EFAB1-84F9-46C0-AE31-DC22800D61D0}"/>
               </a:ext>
             </a:extLst>
           </p:cNvPr>
@@ -5313,13 +5544,18 @@
         </p:nvSpPr>
         <p:spPr>
           <a:xfrm>
-            <a:off x="683568" y="2276872"/>
-            <a:ext cx="4896544" cy="3960440"/>
+            <a:off x="1619672" y="2708920"/>
+            <a:ext cx="2304256" cy="504056"/>
           </a:xfrm>
           <a:prstGeom prst="rect">
             <a:avLst/>
           </a:prstGeom>
           <a:noFill/>
+          <a:ln w="38100">
+            <a:solidFill>
+              <a:srgbClr val="FF0000"/>
+            </a:solidFill>
+          </a:ln>
         </p:spPr>
         <p:style>
           <a:lnRef idx="2">
@@ -5338,353 +5574,20 @@
           </a:fontRef>
         </p:style>
         <p:txBody>
-          <a:bodyPr rtlCol="0" anchor="t"/>
-          <a:lstStyle/>
-          <a:p>
-            <a:r>
-              <a:rPr lang="en-US" altLang="ja-JP" dirty="0">
-                <a:solidFill>
-                  <a:schemeClr val="tx1"/>
-                </a:solidFill>
-              </a:rPr>
-              <a:t>    void </a:t>
-            </a:r>
-            <a:r>
-              <a:rPr lang="en-US" altLang="ja-JP" dirty="0" err="1">
-                <a:solidFill>
-                  <a:schemeClr val="tx1"/>
-                </a:solidFill>
-              </a:rPr>
-              <a:t>br_zero</a:t>
-            </a:r>
-            <a:r>
-              <a:rPr lang="en-US" altLang="ja-JP" dirty="0">
-                <a:solidFill>
-                  <a:schemeClr val="tx1"/>
-                </a:solidFill>
-              </a:rPr>
-              <a:t>(</a:t>
-            </a:r>
-            <a:r>
-              <a:rPr lang="en-US" altLang="ja-JP" dirty="0" err="1">
-                <a:solidFill>
-                  <a:schemeClr val="tx1"/>
-                </a:solidFill>
-              </a:rPr>
-              <a:t>System.Action</a:t>
-            </a:r>
-            <a:r>
-              <a:rPr lang="en-US" altLang="ja-JP" dirty="0">
-                <a:solidFill>
-                  <a:schemeClr val="tx1"/>
-                </a:solidFill>
-              </a:rPr>
-              <a:t>&lt;bool&gt; </a:t>
-            </a:r>
-            <a:r>
-              <a:rPr lang="en-US" altLang="ja-JP" dirty="0" err="1">
-                <a:solidFill>
-                  <a:schemeClr val="tx1"/>
-                </a:solidFill>
-              </a:rPr>
-              <a:t>st</a:t>
-            </a:r>
-            <a:r>
-              <a:rPr lang="en-US" altLang="ja-JP" dirty="0">
-                <a:solidFill>
-                  <a:schemeClr val="tx1"/>
-                </a:solidFill>
-              </a:rPr>
-              <a:t>)</a:t>
-            </a:r>
-          </a:p>
-          <a:p>
-            <a:r>
-              <a:rPr lang="en-US" altLang="ja-JP" dirty="0">
-                <a:solidFill>
-                  <a:schemeClr val="tx1"/>
-                </a:solidFill>
-              </a:rPr>
-              <a:t>    {</a:t>
-            </a:r>
-          </a:p>
-          <a:p>
-            <a:r>
-              <a:rPr lang="en-US" altLang="ja-JP" dirty="0">
-                <a:solidFill>
-                  <a:schemeClr val="tx1"/>
-                </a:solidFill>
-              </a:rPr>
-              <a:t>        if (</a:t>
-            </a:r>
-            <a:r>
-              <a:rPr lang="en-US" altLang="ja-JP" dirty="0" err="1">
-                <a:solidFill>
-                  <a:schemeClr val="tx1"/>
-                </a:solidFill>
-              </a:rPr>
-              <a:t>m_val</a:t>
-            </a:r>
-            <a:r>
-              <a:rPr lang="en-US" altLang="ja-JP" dirty="0">
-                <a:solidFill>
-                  <a:schemeClr val="tx1"/>
-                </a:solidFill>
-              </a:rPr>
-              <a:t> == 0)</a:t>
-            </a:r>
-          </a:p>
-          <a:p>
-            <a:r>
-              <a:rPr lang="en-US" altLang="ja-JP" dirty="0">
-                <a:solidFill>
-                  <a:schemeClr val="tx1"/>
-                </a:solidFill>
-              </a:rPr>
-              <a:t>        {</a:t>
-            </a:r>
-          </a:p>
-          <a:p>
-            <a:r>
-              <a:rPr lang="en-US" altLang="ja-JP" dirty="0">
-                <a:solidFill>
-                  <a:schemeClr val="tx1"/>
-                </a:solidFill>
-              </a:rPr>
-              <a:t>             </a:t>
-            </a:r>
-            <a:r>
-              <a:rPr lang="en-US" altLang="ja-JP" dirty="0" err="1">
-                <a:solidFill>
-                  <a:schemeClr val="tx1"/>
-                </a:solidFill>
-              </a:rPr>
-              <a:t>SetNextState</a:t>
-            </a:r>
-            <a:r>
-              <a:rPr lang="en-US" altLang="ja-JP" dirty="0">
-                <a:solidFill>
-                  <a:schemeClr val="tx1"/>
-                </a:solidFill>
-              </a:rPr>
-              <a:t>(</a:t>
-            </a:r>
-            <a:r>
-              <a:rPr lang="en-US" altLang="ja-JP" dirty="0" err="1">
-                <a:solidFill>
-                  <a:schemeClr val="tx1"/>
-                </a:solidFill>
-              </a:rPr>
-              <a:t>st</a:t>
-            </a:r>
-            <a:r>
-              <a:rPr lang="en-US" altLang="ja-JP" dirty="0">
-                <a:solidFill>
-                  <a:schemeClr val="tx1"/>
-                </a:solidFill>
-              </a:rPr>
-              <a:t>);</a:t>
-            </a:r>
-          </a:p>
-          <a:p>
-            <a:r>
-              <a:rPr lang="en-US" altLang="ja-JP" dirty="0">
-                <a:solidFill>
-                  <a:schemeClr val="tx1"/>
-                </a:solidFill>
-              </a:rPr>
-              <a:t>        }</a:t>
-            </a:r>
-          </a:p>
-          <a:p>
-            <a:r>
-              <a:rPr lang="en-US" altLang="ja-JP" dirty="0">
-                <a:solidFill>
-                  <a:schemeClr val="tx1"/>
-                </a:solidFill>
-              </a:rPr>
-              <a:t>    }</a:t>
-            </a:r>
-          </a:p>
-          <a:p>
-            <a:r>
-              <a:rPr lang="en-US" altLang="ja-JP" dirty="0">
-                <a:solidFill>
-                  <a:schemeClr val="tx1"/>
-                </a:solidFill>
-              </a:rPr>
-              <a:t>    void </a:t>
-            </a:r>
-            <a:r>
-              <a:rPr lang="en-US" altLang="ja-JP" dirty="0" err="1">
-                <a:solidFill>
-                  <a:schemeClr val="tx1"/>
-                </a:solidFill>
-              </a:rPr>
-              <a:t>br_one</a:t>
-            </a:r>
-            <a:r>
-              <a:rPr lang="en-US" altLang="ja-JP" dirty="0">
-                <a:solidFill>
-                  <a:schemeClr val="tx1"/>
-                </a:solidFill>
-              </a:rPr>
-              <a:t>(</a:t>
-            </a:r>
-            <a:r>
-              <a:rPr lang="en-US" altLang="ja-JP" dirty="0" err="1">
-                <a:solidFill>
-                  <a:schemeClr val="tx1"/>
-                </a:solidFill>
-              </a:rPr>
-              <a:t>System.Action</a:t>
-            </a:r>
-            <a:r>
-              <a:rPr lang="en-US" altLang="ja-JP" dirty="0">
-                <a:solidFill>
-                  <a:schemeClr val="tx1"/>
-                </a:solidFill>
-              </a:rPr>
-              <a:t>&lt;bool&gt; </a:t>
-            </a:r>
-            <a:r>
-              <a:rPr lang="en-US" altLang="ja-JP" dirty="0" err="1">
-                <a:solidFill>
-                  <a:schemeClr val="tx1"/>
-                </a:solidFill>
-              </a:rPr>
-              <a:t>st</a:t>
-            </a:r>
-            <a:r>
-              <a:rPr lang="en-US" altLang="ja-JP" dirty="0">
-                <a:solidFill>
-                  <a:schemeClr val="tx1"/>
-                </a:solidFill>
-              </a:rPr>
-              <a:t>)</a:t>
-            </a:r>
-          </a:p>
-          <a:p>
-            <a:r>
-              <a:rPr lang="en-US" altLang="ja-JP" dirty="0">
-                <a:solidFill>
-                  <a:schemeClr val="tx1"/>
-                </a:solidFill>
-              </a:rPr>
-              <a:t>    {</a:t>
-            </a:r>
-          </a:p>
-          <a:p>
-            <a:r>
-              <a:rPr lang="en-US" altLang="ja-JP" dirty="0">
-                <a:solidFill>
-                  <a:schemeClr val="tx1"/>
-                </a:solidFill>
-              </a:rPr>
-              <a:t>        if (</a:t>
-            </a:r>
-            <a:r>
-              <a:rPr lang="en-US" altLang="ja-JP" dirty="0" err="1">
-                <a:solidFill>
-                  <a:schemeClr val="tx1"/>
-                </a:solidFill>
-              </a:rPr>
-              <a:t>m_val</a:t>
-            </a:r>
-            <a:r>
-              <a:rPr lang="en-US" altLang="ja-JP" dirty="0">
-                <a:solidFill>
-                  <a:schemeClr val="tx1"/>
-                </a:solidFill>
-              </a:rPr>
-              <a:t> == 1)</a:t>
-            </a:r>
-          </a:p>
-          <a:p>
-            <a:r>
-              <a:rPr lang="en-US" altLang="ja-JP" dirty="0">
-                <a:solidFill>
-                  <a:schemeClr val="tx1"/>
-                </a:solidFill>
-              </a:rPr>
-              <a:t>        {</a:t>
-            </a:r>
-          </a:p>
-          <a:p>
-            <a:r>
-              <a:rPr lang="en-US" altLang="ja-JP" dirty="0">
-                <a:solidFill>
-                  <a:schemeClr val="tx1"/>
-                </a:solidFill>
-              </a:rPr>
-              <a:t>            </a:t>
-            </a:r>
-            <a:r>
-              <a:rPr lang="en-US" altLang="ja-JP" dirty="0" err="1">
-                <a:solidFill>
-                  <a:schemeClr val="tx1"/>
-                </a:solidFill>
-              </a:rPr>
-              <a:t>SetNextState</a:t>
-            </a:r>
-            <a:r>
-              <a:rPr lang="en-US" altLang="ja-JP" dirty="0">
-                <a:solidFill>
-                  <a:schemeClr val="tx1"/>
-                </a:solidFill>
-              </a:rPr>
-              <a:t>(</a:t>
-            </a:r>
-            <a:r>
-              <a:rPr lang="en-US" altLang="ja-JP" dirty="0" err="1">
-                <a:solidFill>
-                  <a:schemeClr val="tx1"/>
-                </a:solidFill>
-              </a:rPr>
-              <a:t>st</a:t>
-            </a:r>
-            <a:r>
-              <a:rPr lang="en-US" altLang="ja-JP" dirty="0">
-                <a:solidFill>
-                  <a:schemeClr val="tx1"/>
-                </a:solidFill>
-              </a:rPr>
-              <a:t>);</a:t>
-            </a:r>
-          </a:p>
-          <a:p>
-            <a:r>
-              <a:rPr lang="en-US" altLang="ja-JP" dirty="0">
-                <a:solidFill>
-                  <a:schemeClr val="tx1"/>
-                </a:solidFill>
-              </a:rPr>
-              <a:t>        }</a:t>
-            </a:r>
-          </a:p>
-          <a:p>
-            <a:r>
-              <a:rPr lang="en-US" altLang="ja-JP" dirty="0">
-                <a:solidFill>
-                  <a:schemeClr val="tx1"/>
-                </a:solidFill>
-              </a:rPr>
-              <a:t>    }</a:t>
-            </a:r>
-            <a:endParaRPr kumimoji="1" lang="ja-JP" altLang="en-US" dirty="0">
-              <a:solidFill>
-                <a:schemeClr val="tx1"/>
-              </a:solidFill>
-            </a:endParaRPr>
-          </a:p>
-        </p:txBody>
-      </p:sp>
-      <p:sp>
-        <p:nvSpPr>
-          <p:cNvPr id="6" name="正方形/長方形 5">
+          <a:bodyPr rtlCol="0" anchor="ctr"/>
+          <a:lstStyle/>
+          <a:p>
+            <a:pPr algn="ctr"/>
+            <a:endParaRPr kumimoji="1" lang="ja-JP" altLang="en-US"/>
+          </a:p>
+        </p:txBody>
+      </p:sp>
+      <p:sp>
+        <p:nvSpPr>
+          <p:cNvPr id="6" name="矢印: 左 5">
             <a:extLst>
               <a:ext uri="{FF2B5EF4-FFF2-40B4-BE49-F238E27FC236}">
-                <a16:creationId xmlns:a16="http://schemas.microsoft.com/office/drawing/2014/main" id="{5D384313-FCC7-43D8-8C66-A2BED8551748}"/>
+                <a16:creationId xmlns:a16="http://schemas.microsoft.com/office/drawing/2014/main" id="{73F7A67E-86CD-492A-9535-6C9E093BD6E5}"/>
               </a:ext>
             </a:extLst>
           </p:cNvPr>
@@ -5693,12 +5596,15 @@
         </p:nvSpPr>
         <p:spPr>
           <a:xfrm>
-            <a:off x="712178" y="1844824"/>
-            <a:ext cx="2376264" cy="360040"/>
-          </a:xfrm>
-          <a:prstGeom prst="rect">
+            <a:off x="4050814" y="2657284"/>
+            <a:ext cx="1348730" cy="614370"/>
+          </a:xfrm>
+          <a:prstGeom prst="leftArrow">
             <a:avLst/>
           </a:prstGeom>
+          <a:ln>
+            <a:noFill/>
+          </a:ln>
         </p:spPr>
         <p:style>
           <a:lnRef idx="2">
@@ -5721,20 +5627,16 @@
           <a:lstStyle/>
           <a:p>
             <a:pPr algn="ctr"/>
-            <a:r>
-              <a:rPr lang="en-US" altLang="ja-JP" dirty="0" err="1"/>
-              <a:t>TestControl.cs</a:t>
-            </a:r>
-            <a:endParaRPr kumimoji="1" lang="ja-JP" altLang="en-US" dirty="0"/>
-          </a:p>
-        </p:txBody>
-      </p:sp>
-      <p:sp>
-        <p:nvSpPr>
-          <p:cNvPr id="7" name="正方形/長方形 6">
+            <a:endParaRPr kumimoji="1" lang="ja-JP" altLang="en-US"/>
+          </a:p>
+        </p:txBody>
+      </p:sp>
+      <p:sp>
+        <p:nvSpPr>
+          <p:cNvPr id="7" name="四角形: 角を丸くする 6">
             <a:extLst>
               <a:ext uri="{FF2B5EF4-FFF2-40B4-BE49-F238E27FC236}">
-                <a16:creationId xmlns:a16="http://schemas.microsoft.com/office/drawing/2014/main" id="{A94B2E19-FAA0-4759-A35C-7D71F31C4E51}"/>
+                <a16:creationId xmlns:a16="http://schemas.microsoft.com/office/drawing/2014/main" id="{BC1CBDBE-4CD6-44AC-B45D-DFD153BACD5B}"/>
               </a:ext>
             </a:extLst>
           </p:cNvPr>
@@ -5743,17 +5645,14 @@
         </p:nvSpPr>
         <p:spPr>
           <a:xfrm>
-            <a:off x="755576" y="2348880"/>
-            <a:ext cx="3960440" cy="3816424"/>
-          </a:xfrm>
-          <a:prstGeom prst="rect">
+            <a:off x="5292080" y="2307834"/>
+            <a:ext cx="2938561" cy="1306227"/>
+          </a:xfrm>
+          <a:prstGeom prst="roundRect">
             <a:avLst/>
           </a:prstGeom>
-          <a:noFill/>
-          <a:ln w="38100">
-            <a:solidFill>
-              <a:srgbClr val="FF0000"/>
-            </a:solidFill>
+          <a:ln>
+            <a:noFill/>
           </a:ln>
         </p:spPr>
         <p:style>
@@ -5776,1050 +5675,6 @@
           <a:bodyPr rtlCol="0" anchor="ctr"/>
           <a:lstStyle/>
           <a:p>
-            <a:pPr algn="ctr"/>
-            <a:endParaRPr kumimoji="1" lang="ja-JP" altLang="en-US"/>
-          </a:p>
-        </p:txBody>
-      </p:sp>
-      <p:sp>
-        <p:nvSpPr>
-          <p:cNvPr id="8" name="矢印: 左 7">
-            <a:extLst>
-              <a:ext uri="{FF2B5EF4-FFF2-40B4-BE49-F238E27FC236}">
-                <a16:creationId xmlns:a16="http://schemas.microsoft.com/office/drawing/2014/main" id="{5CB7A6E7-9CDE-4DC8-9730-4F69EA4C1D5A}"/>
-              </a:ext>
-            </a:extLst>
-          </p:cNvPr>
-          <p:cNvSpPr/>
-          <p:nvPr/>
-        </p:nvSpPr>
-        <p:spPr>
-          <a:xfrm>
-            <a:off x="4797132" y="3678746"/>
-            <a:ext cx="2232248" cy="792088"/>
-          </a:xfrm>
-          <a:prstGeom prst="leftArrow">
-            <a:avLst/>
-          </a:prstGeom>
-          <a:ln>
-            <a:noFill/>
-          </a:ln>
-        </p:spPr>
-        <p:style>
-          <a:lnRef idx="2">
-            <a:schemeClr val="accent1">
-              <a:shade val="50000"/>
-            </a:schemeClr>
-          </a:lnRef>
-          <a:fillRef idx="1">
-            <a:schemeClr val="accent1"/>
-          </a:fillRef>
-          <a:effectRef idx="0">
-            <a:schemeClr val="accent1"/>
-          </a:effectRef>
-          <a:fontRef idx="minor">
-            <a:schemeClr val="lt1"/>
-          </a:fontRef>
-        </p:style>
-        <p:txBody>
-          <a:bodyPr rtlCol="0" anchor="ctr"/>
-          <a:lstStyle/>
-          <a:p>
-            <a:pPr algn="ctr"/>
-            <a:endParaRPr kumimoji="1" lang="ja-JP" altLang="en-US"/>
-          </a:p>
-        </p:txBody>
-      </p:sp>
-      <p:sp>
-        <p:nvSpPr>
-          <p:cNvPr id="9" name="四角形: 角を丸くする 8">
-            <a:extLst>
-              <a:ext uri="{FF2B5EF4-FFF2-40B4-BE49-F238E27FC236}">
-                <a16:creationId xmlns:a16="http://schemas.microsoft.com/office/drawing/2014/main" id="{45D26563-0592-4D07-A6DD-F9FF342EB4D9}"/>
-              </a:ext>
-            </a:extLst>
-          </p:cNvPr>
-          <p:cNvSpPr/>
-          <p:nvPr/>
-        </p:nvSpPr>
-        <p:spPr>
-          <a:xfrm>
-            <a:off x="6885364" y="3426718"/>
-            <a:ext cx="1944216" cy="1296144"/>
-          </a:xfrm>
-          <a:prstGeom prst="roundRect">
-            <a:avLst/>
-          </a:prstGeom>
-          <a:ln>
-            <a:noFill/>
-          </a:ln>
-        </p:spPr>
-        <p:style>
-          <a:lnRef idx="2">
-            <a:schemeClr val="accent1">
-              <a:shade val="50000"/>
-            </a:schemeClr>
-          </a:lnRef>
-          <a:fillRef idx="1">
-            <a:schemeClr val="accent1"/>
-          </a:fillRef>
-          <a:effectRef idx="0">
-            <a:schemeClr val="accent1"/>
-          </a:effectRef>
-          <a:fontRef idx="minor">
-            <a:schemeClr val="lt1"/>
-          </a:fontRef>
-        </p:style>
-        <p:txBody>
-          <a:bodyPr rtlCol="0" anchor="ctr"/>
-          <a:lstStyle/>
-          <a:p>
-            <a:pPr algn="ctr"/>
-            <a:r>
-              <a:rPr kumimoji="1" lang="ja-JP" altLang="en-US" dirty="0"/>
-              <a:t>追加</a:t>
-            </a:r>
-          </a:p>
-        </p:txBody>
-      </p:sp>
-      <p:sp>
-        <p:nvSpPr>
-          <p:cNvPr id="10" name="四角形: 角を丸くする 9">
-            <a:extLst>
-              <a:ext uri="{FF2B5EF4-FFF2-40B4-BE49-F238E27FC236}">
-                <a16:creationId xmlns:a16="http://schemas.microsoft.com/office/drawing/2014/main" id="{F3BD3613-538E-4297-B2A9-13CB4F67CBD6}"/>
-              </a:ext>
-            </a:extLst>
-          </p:cNvPr>
-          <p:cNvSpPr/>
-          <p:nvPr/>
-        </p:nvSpPr>
-        <p:spPr>
-          <a:xfrm>
-            <a:off x="5796136" y="5085184"/>
-            <a:ext cx="3033444" cy="1368152"/>
-          </a:xfrm>
-          <a:prstGeom prst="roundRect">
-            <a:avLst/>
-          </a:prstGeom>
-        </p:spPr>
-        <p:style>
-          <a:lnRef idx="2">
-            <a:schemeClr val="accent1">
-              <a:shade val="50000"/>
-            </a:schemeClr>
-          </a:lnRef>
-          <a:fillRef idx="1">
-            <a:schemeClr val="accent1"/>
-          </a:fillRef>
-          <a:effectRef idx="0">
-            <a:schemeClr val="accent1"/>
-          </a:effectRef>
-          <a:fontRef idx="minor">
-            <a:schemeClr val="lt1"/>
-          </a:fontRef>
-        </p:style>
-        <p:txBody>
-          <a:bodyPr rtlCol="0" anchor="ctr"/>
-          <a:lstStyle/>
-          <a:p>
-            <a:r>
-              <a:rPr lang="en-US" altLang="ja-JP" dirty="0"/>
-              <a:t>※</a:t>
-            </a:r>
-            <a:r>
-              <a:rPr lang="ja-JP" altLang="en-US" dirty="0"/>
-              <a:t>分岐関数の引数タイプはテンプレートによる。</a:t>
-            </a:r>
-            <a:endParaRPr lang="en-US" altLang="ja-JP" dirty="0"/>
-          </a:p>
-          <a:p>
-            <a:r>
-              <a:rPr lang="ja-JP" altLang="en-US" dirty="0"/>
-              <a:t>詳細は別途解説。</a:t>
-            </a:r>
-            <a:endParaRPr kumimoji="1" lang="ja-JP" altLang="en-US" dirty="0"/>
-          </a:p>
-        </p:txBody>
-      </p:sp>
-    </p:spTree>
-    <p:extLst>
-      <p:ext uri="{BB962C8B-B14F-4D97-AF65-F5344CB8AC3E}">
-        <p14:creationId xmlns:p14="http://schemas.microsoft.com/office/powerpoint/2010/main" val="393391312"/>
-      </p:ext>
-    </p:extLst>
-  </p:cSld>
-  <p:clrMapOvr>
-    <a:masterClrMapping/>
-  </p:clrMapOvr>
-</p:sld>
-</file>
-
-<file path=ppt/slides/slide16.xml><?xml version="1.0" encoding="utf-8"?>
-<p:sld xmlns:a="http://schemas.openxmlformats.org/drawingml/2006/main" xmlns:r="http://schemas.openxmlformats.org/officeDocument/2006/relationships" xmlns:p="http://schemas.openxmlformats.org/presentationml/2006/main">
-  <p:cSld>
-    <p:spTree>
-      <p:nvGrpSpPr>
-        <p:cNvPr id="1" name=""/>
-        <p:cNvGrpSpPr/>
-        <p:nvPr/>
-      </p:nvGrpSpPr>
-      <p:grpSpPr>
-        <a:xfrm>
-          <a:off x="0" y="0"/>
-          <a:ext cx="0" cy="0"/>
-          <a:chOff x="0" y="0"/>
-          <a:chExt cx="0" cy="0"/>
-        </a:xfrm>
-      </p:grpSpPr>
-      <p:sp>
-        <p:nvSpPr>
-          <p:cNvPr id="2" name="タイトル 1">
-            <a:extLst>
-              <a:ext uri="{FF2B5EF4-FFF2-40B4-BE49-F238E27FC236}">
-                <a16:creationId xmlns:a16="http://schemas.microsoft.com/office/drawing/2014/main" id="{F0908131-C820-4F72-90E7-B5A00BF72D9B}"/>
-              </a:ext>
-            </a:extLst>
-          </p:cNvPr>
-          <p:cNvSpPr>
-            <a:spLocks noGrp="1"/>
-          </p:cNvSpPr>
-          <p:nvPr>
-            <p:ph type="title"/>
-          </p:nvPr>
-        </p:nvSpPr>
-        <p:spPr/>
-        <p:txBody>
-          <a:bodyPr>
-            <a:normAutofit fontScale="90000"/>
-          </a:bodyPr>
-          <a:lstStyle/>
-          <a:p>
-            <a:r>
-              <a:rPr kumimoji="1" lang="en-US" altLang="ja-JP" dirty="0"/>
-              <a:t>Step 9</a:t>
-            </a:r>
-            <a:br>
-              <a:rPr kumimoji="1" lang="en-US" altLang="ja-JP" dirty="0"/>
-            </a:br>
-            <a:r>
-              <a:rPr kumimoji="1" lang="en-US" altLang="ja-JP" sz="4000" dirty="0" err="1"/>
-              <a:t>create_sphere</a:t>
-            </a:r>
-            <a:r>
-              <a:rPr kumimoji="1" lang="en-US" altLang="ja-JP" sz="4000" dirty="0"/>
-              <a:t>()</a:t>
-            </a:r>
-            <a:r>
-              <a:rPr kumimoji="1" lang="ja-JP" altLang="en-US" sz="4000" dirty="0"/>
-              <a:t>と</a:t>
-            </a:r>
-            <a:r>
-              <a:rPr kumimoji="1" lang="en-US" altLang="ja-JP" sz="4000" dirty="0" err="1"/>
-              <a:t>create_cylinder</a:t>
-            </a:r>
-            <a:r>
-              <a:rPr kumimoji="1" lang="en-US" altLang="ja-JP" sz="4000" dirty="0"/>
-              <a:t>()</a:t>
-            </a:r>
-            <a:r>
-              <a:rPr kumimoji="1" lang="ja-JP" altLang="en-US" sz="4000" dirty="0"/>
-              <a:t>の実装</a:t>
-            </a:r>
-          </a:p>
-        </p:txBody>
-      </p:sp>
-      <p:sp>
-        <p:nvSpPr>
-          <p:cNvPr id="4" name="正方形/長方形 3">
-            <a:extLst>
-              <a:ext uri="{FF2B5EF4-FFF2-40B4-BE49-F238E27FC236}">
-                <a16:creationId xmlns:a16="http://schemas.microsoft.com/office/drawing/2014/main" id="{DA6A7FCB-0232-410F-9C21-8EB3D66F6CA7}"/>
-              </a:ext>
-            </a:extLst>
-          </p:cNvPr>
-          <p:cNvSpPr/>
-          <p:nvPr/>
-        </p:nvSpPr>
-        <p:spPr>
-          <a:xfrm>
-            <a:off x="491510" y="2132856"/>
-            <a:ext cx="6491064" cy="2952328"/>
-          </a:xfrm>
-          <a:prstGeom prst="rect">
-            <a:avLst/>
-          </a:prstGeom>
-          <a:noFill/>
-        </p:spPr>
-        <p:style>
-          <a:lnRef idx="2">
-            <a:schemeClr val="accent1">
-              <a:shade val="50000"/>
-            </a:schemeClr>
-          </a:lnRef>
-          <a:fillRef idx="1">
-            <a:schemeClr val="accent1"/>
-          </a:fillRef>
-          <a:effectRef idx="0">
-            <a:schemeClr val="accent1"/>
-          </a:effectRef>
-          <a:fontRef idx="minor">
-            <a:schemeClr val="lt1"/>
-          </a:fontRef>
-        </p:style>
-        <p:txBody>
-          <a:bodyPr rtlCol="0" anchor="t"/>
-          <a:lstStyle/>
-          <a:p>
-            <a:r>
-              <a:rPr lang="ja-JP" altLang="en-US" dirty="0">
-                <a:solidFill>
-                  <a:schemeClr val="tx1"/>
-                </a:solidFill>
-              </a:rPr>
-              <a:t>    </a:t>
-            </a:r>
-            <a:r>
-              <a:rPr lang="en-US" altLang="ja-JP" dirty="0">
-                <a:solidFill>
-                  <a:schemeClr val="tx1"/>
-                </a:solidFill>
-              </a:rPr>
-              <a:t>void </a:t>
-            </a:r>
-            <a:r>
-              <a:rPr lang="en-US" altLang="ja-JP" dirty="0" err="1">
-                <a:solidFill>
-                  <a:schemeClr val="tx1"/>
-                </a:solidFill>
-              </a:rPr>
-              <a:t>create_sphere</a:t>
-            </a:r>
-            <a:r>
-              <a:rPr lang="en-US" altLang="ja-JP" dirty="0">
-                <a:solidFill>
-                  <a:schemeClr val="tx1"/>
-                </a:solidFill>
-              </a:rPr>
-              <a:t>()</a:t>
-            </a:r>
-          </a:p>
-          <a:p>
-            <a:r>
-              <a:rPr lang="en-US" altLang="ja-JP" dirty="0">
-                <a:solidFill>
-                  <a:schemeClr val="tx1"/>
-                </a:solidFill>
-              </a:rPr>
-              <a:t>    {</a:t>
-            </a:r>
-          </a:p>
-          <a:p>
-            <a:r>
-              <a:rPr lang="en-US" altLang="ja-JP" dirty="0">
-                <a:solidFill>
-                  <a:schemeClr val="tx1"/>
-                </a:solidFill>
-              </a:rPr>
-              <a:t>        var go = </a:t>
-            </a:r>
-            <a:r>
-              <a:rPr lang="en-US" altLang="ja-JP" dirty="0" err="1">
-                <a:solidFill>
-                  <a:schemeClr val="tx1"/>
-                </a:solidFill>
-              </a:rPr>
-              <a:t>GameObject.CreatePrimitive</a:t>
-            </a:r>
-            <a:r>
-              <a:rPr lang="en-US" altLang="ja-JP" dirty="0">
-                <a:solidFill>
-                  <a:schemeClr val="tx1"/>
-                </a:solidFill>
-              </a:rPr>
-              <a:t>(</a:t>
-            </a:r>
-            <a:r>
-              <a:rPr lang="en-US" altLang="ja-JP" dirty="0" err="1">
-                <a:solidFill>
-                  <a:schemeClr val="tx1"/>
-                </a:solidFill>
-              </a:rPr>
-              <a:t>PrimitiveType.Sphere</a:t>
-            </a:r>
-            <a:r>
-              <a:rPr lang="en-US" altLang="ja-JP" dirty="0">
-                <a:solidFill>
-                  <a:schemeClr val="tx1"/>
-                </a:solidFill>
-              </a:rPr>
-              <a:t>);</a:t>
-            </a:r>
-          </a:p>
-          <a:p>
-            <a:r>
-              <a:rPr lang="en-US" altLang="ja-JP" dirty="0">
-                <a:solidFill>
-                  <a:schemeClr val="tx1"/>
-                </a:solidFill>
-              </a:rPr>
-              <a:t>        </a:t>
-            </a:r>
-            <a:r>
-              <a:rPr lang="en-US" altLang="ja-JP" dirty="0" err="1">
-                <a:solidFill>
-                  <a:schemeClr val="tx1"/>
-                </a:solidFill>
-              </a:rPr>
-              <a:t>go.transform.position</a:t>
-            </a:r>
-            <a:r>
-              <a:rPr lang="en-US" altLang="ja-JP" dirty="0">
-                <a:solidFill>
-                  <a:schemeClr val="tx1"/>
-                </a:solidFill>
-              </a:rPr>
-              <a:t> = Vector3.up;</a:t>
-            </a:r>
-          </a:p>
-          <a:p>
-            <a:r>
-              <a:rPr lang="en-US" altLang="ja-JP" dirty="0">
-                <a:solidFill>
-                  <a:schemeClr val="tx1"/>
-                </a:solidFill>
-              </a:rPr>
-              <a:t>    }</a:t>
-            </a:r>
-          </a:p>
-          <a:p>
-            <a:r>
-              <a:rPr lang="en-US" altLang="ja-JP" dirty="0">
-                <a:solidFill>
-                  <a:schemeClr val="tx1"/>
-                </a:solidFill>
-              </a:rPr>
-              <a:t>    void </a:t>
-            </a:r>
-            <a:r>
-              <a:rPr lang="en-US" altLang="ja-JP" dirty="0" err="1">
-                <a:solidFill>
-                  <a:schemeClr val="tx1"/>
-                </a:solidFill>
-              </a:rPr>
-              <a:t>create_cylinder</a:t>
-            </a:r>
-            <a:r>
-              <a:rPr lang="en-US" altLang="ja-JP" dirty="0">
-                <a:solidFill>
-                  <a:schemeClr val="tx1"/>
-                </a:solidFill>
-              </a:rPr>
-              <a:t>()</a:t>
-            </a:r>
-          </a:p>
-          <a:p>
-            <a:r>
-              <a:rPr lang="en-US" altLang="ja-JP" dirty="0">
-                <a:solidFill>
-                  <a:schemeClr val="tx1"/>
-                </a:solidFill>
-              </a:rPr>
-              <a:t>    {</a:t>
-            </a:r>
-          </a:p>
-          <a:p>
-            <a:r>
-              <a:rPr lang="en-US" altLang="ja-JP" dirty="0">
-                <a:solidFill>
-                  <a:schemeClr val="tx1"/>
-                </a:solidFill>
-              </a:rPr>
-              <a:t>        var go = </a:t>
-            </a:r>
-            <a:r>
-              <a:rPr lang="en-US" altLang="ja-JP" dirty="0" err="1">
-                <a:solidFill>
-                  <a:schemeClr val="tx1"/>
-                </a:solidFill>
-              </a:rPr>
-              <a:t>GameObject.CreatePrimitive</a:t>
-            </a:r>
-            <a:r>
-              <a:rPr lang="en-US" altLang="ja-JP" dirty="0">
-                <a:solidFill>
-                  <a:schemeClr val="tx1"/>
-                </a:solidFill>
-              </a:rPr>
-              <a:t>(</a:t>
-            </a:r>
-            <a:r>
-              <a:rPr lang="en-US" altLang="ja-JP" dirty="0" err="1">
-                <a:solidFill>
-                  <a:schemeClr val="tx1"/>
-                </a:solidFill>
-              </a:rPr>
-              <a:t>PrimitiveType.Cylinder</a:t>
-            </a:r>
-            <a:r>
-              <a:rPr lang="en-US" altLang="ja-JP" dirty="0">
-                <a:solidFill>
-                  <a:schemeClr val="tx1"/>
-                </a:solidFill>
-              </a:rPr>
-              <a:t>);</a:t>
-            </a:r>
-          </a:p>
-          <a:p>
-            <a:r>
-              <a:rPr lang="en-US" altLang="ja-JP" dirty="0">
-                <a:solidFill>
-                  <a:schemeClr val="tx1"/>
-                </a:solidFill>
-              </a:rPr>
-              <a:t>        </a:t>
-            </a:r>
-            <a:r>
-              <a:rPr lang="en-US" altLang="ja-JP" dirty="0" err="1">
-                <a:solidFill>
-                  <a:schemeClr val="tx1"/>
-                </a:solidFill>
-              </a:rPr>
-              <a:t>go.transform.position</a:t>
-            </a:r>
-            <a:r>
-              <a:rPr lang="en-US" altLang="ja-JP" dirty="0">
-                <a:solidFill>
-                  <a:schemeClr val="tx1"/>
-                </a:solidFill>
-              </a:rPr>
-              <a:t> = Vector3.up;</a:t>
-            </a:r>
-          </a:p>
-          <a:p>
-            <a:r>
-              <a:rPr lang="en-US" altLang="ja-JP" dirty="0">
-                <a:solidFill>
-                  <a:schemeClr val="tx1"/>
-                </a:solidFill>
-              </a:rPr>
-              <a:t>    }</a:t>
-            </a:r>
-            <a:endParaRPr kumimoji="1" lang="ja-JP" altLang="en-US" dirty="0">
-              <a:solidFill>
-                <a:schemeClr val="tx1"/>
-              </a:solidFill>
-            </a:endParaRPr>
-          </a:p>
-        </p:txBody>
-      </p:sp>
-      <p:sp>
-        <p:nvSpPr>
-          <p:cNvPr id="5" name="正方形/長方形 4">
-            <a:extLst>
-              <a:ext uri="{FF2B5EF4-FFF2-40B4-BE49-F238E27FC236}">
-                <a16:creationId xmlns:a16="http://schemas.microsoft.com/office/drawing/2014/main" id="{072A0C2F-A802-4D40-9AA1-C301F865F077}"/>
-              </a:ext>
-            </a:extLst>
-          </p:cNvPr>
-          <p:cNvSpPr/>
-          <p:nvPr/>
-        </p:nvSpPr>
-        <p:spPr>
-          <a:xfrm>
-            <a:off x="491510" y="1700808"/>
-            <a:ext cx="2376264" cy="360040"/>
-          </a:xfrm>
-          <a:prstGeom prst="rect">
-            <a:avLst/>
-          </a:prstGeom>
-        </p:spPr>
-        <p:style>
-          <a:lnRef idx="2">
-            <a:schemeClr val="accent1">
-              <a:shade val="50000"/>
-            </a:schemeClr>
-          </a:lnRef>
-          <a:fillRef idx="1">
-            <a:schemeClr val="accent1"/>
-          </a:fillRef>
-          <a:effectRef idx="0">
-            <a:schemeClr val="accent1"/>
-          </a:effectRef>
-          <a:fontRef idx="minor">
-            <a:schemeClr val="lt1"/>
-          </a:fontRef>
-        </p:style>
-        <p:txBody>
-          <a:bodyPr rtlCol="0" anchor="ctr"/>
-          <a:lstStyle/>
-          <a:p>
-            <a:pPr algn="ctr"/>
-            <a:r>
-              <a:rPr lang="en-US" altLang="ja-JP" dirty="0" err="1"/>
-              <a:t>TestControl.cs</a:t>
-            </a:r>
-            <a:endParaRPr kumimoji="1" lang="ja-JP" altLang="en-US" dirty="0"/>
-          </a:p>
-        </p:txBody>
-      </p:sp>
-      <p:sp>
-        <p:nvSpPr>
-          <p:cNvPr id="6" name="正方形/長方形 5">
-            <a:extLst>
-              <a:ext uri="{FF2B5EF4-FFF2-40B4-BE49-F238E27FC236}">
-                <a16:creationId xmlns:a16="http://schemas.microsoft.com/office/drawing/2014/main" id="{6A00285B-3749-4FDB-8E5C-AC2BDF6380E7}"/>
-              </a:ext>
-            </a:extLst>
-          </p:cNvPr>
-          <p:cNvSpPr/>
-          <p:nvPr/>
-        </p:nvSpPr>
-        <p:spPr>
-          <a:xfrm>
-            <a:off x="611560" y="2204864"/>
-            <a:ext cx="6192688" cy="2736304"/>
-          </a:xfrm>
-          <a:prstGeom prst="rect">
-            <a:avLst/>
-          </a:prstGeom>
-          <a:noFill/>
-          <a:ln w="38100">
-            <a:solidFill>
-              <a:srgbClr val="FF0000"/>
-            </a:solidFill>
-          </a:ln>
-        </p:spPr>
-        <p:style>
-          <a:lnRef idx="2">
-            <a:schemeClr val="accent1">
-              <a:shade val="50000"/>
-            </a:schemeClr>
-          </a:lnRef>
-          <a:fillRef idx="1">
-            <a:schemeClr val="accent1"/>
-          </a:fillRef>
-          <a:effectRef idx="0">
-            <a:schemeClr val="accent1"/>
-          </a:effectRef>
-          <a:fontRef idx="minor">
-            <a:schemeClr val="lt1"/>
-          </a:fontRef>
-        </p:style>
-        <p:txBody>
-          <a:bodyPr rtlCol="0" anchor="ctr"/>
-          <a:lstStyle/>
-          <a:p>
-            <a:pPr algn="ctr"/>
-            <a:endParaRPr kumimoji="1" lang="ja-JP" altLang="en-US"/>
-          </a:p>
-        </p:txBody>
-      </p:sp>
-      <p:sp>
-        <p:nvSpPr>
-          <p:cNvPr id="7" name="矢印: 左 6">
-            <a:extLst>
-              <a:ext uri="{FF2B5EF4-FFF2-40B4-BE49-F238E27FC236}">
-                <a16:creationId xmlns:a16="http://schemas.microsoft.com/office/drawing/2014/main" id="{0CFE986C-363F-46AC-9B13-2101FF00BA36}"/>
-              </a:ext>
-            </a:extLst>
-          </p:cNvPr>
-          <p:cNvSpPr/>
-          <p:nvPr/>
-        </p:nvSpPr>
-        <p:spPr>
-          <a:xfrm>
-            <a:off x="6876256" y="3213546"/>
-            <a:ext cx="1361246" cy="718939"/>
-          </a:xfrm>
-          <a:prstGeom prst="leftArrow">
-            <a:avLst/>
-          </a:prstGeom>
-          <a:ln>
-            <a:noFill/>
-          </a:ln>
-        </p:spPr>
-        <p:style>
-          <a:lnRef idx="2">
-            <a:schemeClr val="accent1">
-              <a:shade val="50000"/>
-            </a:schemeClr>
-          </a:lnRef>
-          <a:fillRef idx="1">
-            <a:schemeClr val="accent1"/>
-          </a:fillRef>
-          <a:effectRef idx="0">
-            <a:schemeClr val="accent1"/>
-          </a:effectRef>
-          <a:fontRef idx="minor">
-            <a:schemeClr val="lt1"/>
-          </a:fontRef>
-        </p:style>
-        <p:txBody>
-          <a:bodyPr rtlCol="0" anchor="ctr"/>
-          <a:lstStyle/>
-          <a:p>
-            <a:pPr algn="ctr"/>
-            <a:endParaRPr kumimoji="1" lang="ja-JP" altLang="en-US"/>
-          </a:p>
-        </p:txBody>
-      </p:sp>
-      <p:sp>
-        <p:nvSpPr>
-          <p:cNvPr id="8" name="四角形: 角を丸くする 7">
-            <a:extLst>
-              <a:ext uri="{FF2B5EF4-FFF2-40B4-BE49-F238E27FC236}">
-                <a16:creationId xmlns:a16="http://schemas.microsoft.com/office/drawing/2014/main" id="{43F9413B-DAD0-4C42-A855-95D84121FA28}"/>
-              </a:ext>
-            </a:extLst>
-          </p:cNvPr>
-          <p:cNvSpPr/>
-          <p:nvPr/>
-        </p:nvSpPr>
-        <p:spPr>
-          <a:xfrm>
-            <a:off x="7769369" y="3078088"/>
-            <a:ext cx="1185602" cy="998984"/>
-          </a:xfrm>
-          <a:prstGeom prst="roundRect">
-            <a:avLst/>
-          </a:prstGeom>
-          <a:ln>
-            <a:noFill/>
-          </a:ln>
-        </p:spPr>
-        <p:style>
-          <a:lnRef idx="2">
-            <a:schemeClr val="accent1">
-              <a:shade val="50000"/>
-            </a:schemeClr>
-          </a:lnRef>
-          <a:fillRef idx="1">
-            <a:schemeClr val="accent1"/>
-          </a:fillRef>
-          <a:effectRef idx="0">
-            <a:schemeClr val="accent1"/>
-          </a:effectRef>
-          <a:fontRef idx="minor">
-            <a:schemeClr val="lt1"/>
-          </a:fontRef>
-        </p:style>
-        <p:txBody>
-          <a:bodyPr rtlCol="0" anchor="ctr"/>
-          <a:lstStyle/>
-          <a:p>
-            <a:pPr algn="ctr"/>
-            <a:r>
-              <a:rPr kumimoji="1" lang="ja-JP" altLang="en-US" dirty="0"/>
-              <a:t>追加</a:t>
-            </a:r>
-          </a:p>
-        </p:txBody>
-      </p:sp>
-      <p:sp>
-        <p:nvSpPr>
-          <p:cNvPr id="9" name="正方形/長方形 8">
-            <a:extLst>
-              <a:ext uri="{FF2B5EF4-FFF2-40B4-BE49-F238E27FC236}">
-                <a16:creationId xmlns:a16="http://schemas.microsoft.com/office/drawing/2014/main" id="{D16D739A-0296-4475-9084-20B048BA2354}"/>
-              </a:ext>
-            </a:extLst>
-          </p:cNvPr>
-          <p:cNvSpPr/>
-          <p:nvPr/>
-        </p:nvSpPr>
-        <p:spPr>
-          <a:xfrm>
-            <a:off x="491510" y="5445224"/>
-            <a:ext cx="7896914" cy="1156394"/>
-          </a:xfrm>
-          <a:prstGeom prst="rect">
-            <a:avLst/>
-          </a:prstGeom>
-        </p:spPr>
-        <p:style>
-          <a:lnRef idx="2">
-            <a:schemeClr val="accent1">
-              <a:shade val="50000"/>
-            </a:schemeClr>
-          </a:lnRef>
-          <a:fillRef idx="1">
-            <a:schemeClr val="accent1"/>
-          </a:fillRef>
-          <a:effectRef idx="0">
-            <a:schemeClr val="accent1"/>
-          </a:effectRef>
-          <a:fontRef idx="minor">
-            <a:schemeClr val="lt1"/>
-          </a:fontRef>
-        </p:style>
-        <p:txBody>
-          <a:bodyPr rtlCol="0" anchor="ctr"/>
-          <a:lstStyle/>
-          <a:p>
-            <a:pPr algn="ctr"/>
-            <a:r>
-              <a:rPr lang="en-US" altLang="ja-JP" dirty="0"/>
-              <a:t>※ </a:t>
-            </a:r>
-            <a:r>
-              <a:rPr lang="ja-JP" altLang="en-US" dirty="0"/>
-              <a:t>原点には既に</a:t>
-            </a:r>
-            <a:r>
-              <a:rPr lang="en-US" altLang="ja-JP" dirty="0"/>
-              <a:t>Cube</a:t>
-            </a:r>
-            <a:r>
-              <a:rPr lang="ja-JP" altLang="en-US" dirty="0"/>
-              <a:t>があるので、１つ上に表示する</a:t>
-            </a:r>
-            <a:endParaRPr kumimoji="1" lang="ja-JP" altLang="en-US" dirty="0"/>
-          </a:p>
-        </p:txBody>
-      </p:sp>
-    </p:spTree>
-    <p:extLst>
-      <p:ext uri="{BB962C8B-B14F-4D97-AF65-F5344CB8AC3E}">
-        <p14:creationId xmlns:p14="http://schemas.microsoft.com/office/powerpoint/2010/main" val="3453589646"/>
-      </p:ext>
-    </p:extLst>
-  </p:cSld>
-  <p:clrMapOvr>
-    <a:masterClrMapping/>
-  </p:clrMapOvr>
-</p:sld>
-</file>
-
-<file path=ppt/slides/slide17.xml><?xml version="1.0" encoding="utf-8"?>
-<p:sld xmlns:a="http://schemas.openxmlformats.org/drawingml/2006/main" xmlns:r="http://schemas.openxmlformats.org/officeDocument/2006/relationships" xmlns:p="http://schemas.openxmlformats.org/presentationml/2006/main">
-  <p:cSld>
-    <p:spTree>
-      <p:nvGrpSpPr>
-        <p:cNvPr id="1" name=""/>
-        <p:cNvGrpSpPr/>
-        <p:nvPr/>
-      </p:nvGrpSpPr>
-      <p:grpSpPr>
-        <a:xfrm>
-          <a:off x="0" y="0"/>
-          <a:ext cx="0" cy="0"/>
-          <a:chOff x="0" y="0"/>
-          <a:chExt cx="0" cy="0"/>
-        </a:xfrm>
-      </p:grpSpPr>
-      <p:sp>
-        <p:nvSpPr>
-          <p:cNvPr id="2" name="タイトル 1">
-            <a:extLst>
-              <a:ext uri="{FF2B5EF4-FFF2-40B4-BE49-F238E27FC236}">
-                <a16:creationId xmlns:a16="http://schemas.microsoft.com/office/drawing/2014/main" id="{5574390D-9970-45AD-A020-71FD30B744C1}"/>
-              </a:ext>
-            </a:extLst>
-          </p:cNvPr>
-          <p:cNvSpPr>
-            <a:spLocks noGrp="1"/>
-          </p:cNvSpPr>
-          <p:nvPr>
-            <p:ph type="title"/>
-          </p:nvPr>
-        </p:nvSpPr>
-        <p:spPr/>
-        <p:txBody>
-          <a:bodyPr>
-            <a:normAutofit fontScale="90000"/>
-          </a:bodyPr>
-          <a:lstStyle/>
-          <a:p>
-            <a:r>
-              <a:rPr kumimoji="1" lang="en-US" altLang="ja-JP" dirty="0"/>
-              <a:t>Step 10</a:t>
-            </a:r>
-            <a:br>
-              <a:rPr kumimoji="1" lang="en-US" altLang="ja-JP" dirty="0"/>
-            </a:br>
-            <a:r>
-              <a:rPr kumimoji="1" lang="ja-JP" altLang="en-US" dirty="0"/>
-              <a:t>変換と実行</a:t>
-            </a:r>
-          </a:p>
-        </p:txBody>
-      </p:sp>
-      <p:pic>
-        <p:nvPicPr>
-          <p:cNvPr id="4" name="図 3">
-            <a:extLst>
-              <a:ext uri="{FF2B5EF4-FFF2-40B4-BE49-F238E27FC236}">
-                <a16:creationId xmlns:a16="http://schemas.microsoft.com/office/drawing/2014/main" id="{CCBCE265-1072-44AB-9734-C82E0138241E}"/>
-              </a:ext>
-            </a:extLst>
-          </p:cNvPr>
-          <p:cNvPicPr>
-            <a:picLocks noChangeAspect="1"/>
-          </p:cNvPicPr>
-          <p:nvPr/>
-        </p:nvPicPr>
-        <p:blipFill>
-          <a:blip r:embed="rId2"/>
-          <a:stretch>
-            <a:fillRect/>
-          </a:stretch>
-        </p:blipFill>
-        <p:spPr>
-          <a:xfrm>
-            <a:off x="1547664" y="2447925"/>
-            <a:ext cx="2457450" cy="1962150"/>
-          </a:xfrm>
-          <a:prstGeom prst="rect">
-            <a:avLst/>
-          </a:prstGeom>
-        </p:spPr>
-      </p:pic>
-      <p:sp>
-        <p:nvSpPr>
-          <p:cNvPr id="5" name="正方形/長方形 4">
-            <a:extLst>
-              <a:ext uri="{FF2B5EF4-FFF2-40B4-BE49-F238E27FC236}">
-                <a16:creationId xmlns:a16="http://schemas.microsoft.com/office/drawing/2014/main" id="{934EFAB1-84F9-46C0-AE31-DC22800D61D0}"/>
-              </a:ext>
-            </a:extLst>
-          </p:cNvPr>
-          <p:cNvSpPr/>
-          <p:nvPr/>
-        </p:nvSpPr>
-        <p:spPr>
-          <a:xfrm>
-            <a:off x="1619672" y="2708920"/>
-            <a:ext cx="2304256" cy="504056"/>
-          </a:xfrm>
-          <a:prstGeom prst="rect">
-            <a:avLst/>
-          </a:prstGeom>
-          <a:noFill/>
-          <a:ln w="38100">
-            <a:solidFill>
-              <a:srgbClr val="FF0000"/>
-            </a:solidFill>
-          </a:ln>
-        </p:spPr>
-        <p:style>
-          <a:lnRef idx="2">
-            <a:schemeClr val="accent1">
-              <a:shade val="50000"/>
-            </a:schemeClr>
-          </a:lnRef>
-          <a:fillRef idx="1">
-            <a:schemeClr val="accent1"/>
-          </a:fillRef>
-          <a:effectRef idx="0">
-            <a:schemeClr val="accent1"/>
-          </a:effectRef>
-          <a:fontRef idx="minor">
-            <a:schemeClr val="lt1"/>
-          </a:fontRef>
-        </p:style>
-        <p:txBody>
-          <a:bodyPr rtlCol="0" anchor="ctr"/>
-          <a:lstStyle/>
-          <a:p>
-            <a:pPr algn="ctr"/>
-            <a:endParaRPr kumimoji="1" lang="ja-JP" altLang="en-US"/>
-          </a:p>
-        </p:txBody>
-      </p:sp>
-      <p:sp>
-        <p:nvSpPr>
-          <p:cNvPr id="6" name="矢印: 左 5">
-            <a:extLst>
-              <a:ext uri="{FF2B5EF4-FFF2-40B4-BE49-F238E27FC236}">
-                <a16:creationId xmlns:a16="http://schemas.microsoft.com/office/drawing/2014/main" id="{73F7A67E-86CD-492A-9535-6C9E093BD6E5}"/>
-              </a:ext>
-            </a:extLst>
-          </p:cNvPr>
-          <p:cNvSpPr/>
-          <p:nvPr/>
-        </p:nvSpPr>
-        <p:spPr>
-          <a:xfrm>
-            <a:off x="4050814" y="2657284"/>
-            <a:ext cx="1348730" cy="614370"/>
-          </a:xfrm>
-          <a:prstGeom prst="leftArrow">
-            <a:avLst/>
-          </a:prstGeom>
-          <a:ln>
-            <a:noFill/>
-          </a:ln>
-        </p:spPr>
-        <p:style>
-          <a:lnRef idx="2">
-            <a:schemeClr val="accent1">
-              <a:shade val="50000"/>
-            </a:schemeClr>
-          </a:lnRef>
-          <a:fillRef idx="1">
-            <a:schemeClr val="accent1"/>
-          </a:fillRef>
-          <a:effectRef idx="0">
-            <a:schemeClr val="accent1"/>
-          </a:effectRef>
-          <a:fontRef idx="minor">
-            <a:schemeClr val="lt1"/>
-          </a:fontRef>
-        </p:style>
-        <p:txBody>
-          <a:bodyPr rtlCol="0" anchor="ctr"/>
-          <a:lstStyle/>
-          <a:p>
-            <a:pPr algn="ctr"/>
-            <a:endParaRPr kumimoji="1" lang="ja-JP" altLang="en-US"/>
-          </a:p>
-        </p:txBody>
-      </p:sp>
-      <p:sp>
-        <p:nvSpPr>
-          <p:cNvPr id="7" name="四角形: 角を丸くする 6">
-            <a:extLst>
-              <a:ext uri="{FF2B5EF4-FFF2-40B4-BE49-F238E27FC236}">
-                <a16:creationId xmlns:a16="http://schemas.microsoft.com/office/drawing/2014/main" id="{BC1CBDBE-4CD6-44AC-B45D-DFD153BACD5B}"/>
-              </a:ext>
-            </a:extLst>
-          </p:cNvPr>
-          <p:cNvSpPr/>
-          <p:nvPr/>
-        </p:nvSpPr>
-        <p:spPr>
-          <a:xfrm>
-            <a:off x="5292080" y="2307834"/>
-            <a:ext cx="2938561" cy="1306227"/>
-          </a:xfrm>
-          <a:prstGeom prst="roundRect">
-            <a:avLst/>
-          </a:prstGeom>
-          <a:ln>
-            <a:noFill/>
-          </a:ln>
-        </p:spPr>
-        <p:style>
-          <a:lnRef idx="2">
-            <a:schemeClr val="accent1">
-              <a:shade val="50000"/>
-            </a:schemeClr>
-          </a:lnRef>
-          <a:fillRef idx="1">
-            <a:schemeClr val="accent1"/>
-          </a:fillRef>
-          <a:effectRef idx="0">
-            <a:schemeClr val="accent1"/>
-          </a:effectRef>
-          <a:fontRef idx="minor">
-            <a:schemeClr val="lt1"/>
-          </a:fontRef>
-        </p:style>
-        <p:txBody>
-          <a:bodyPr rtlCol="0" anchor="ctr"/>
-          <a:lstStyle/>
-          <a:p>
             <a:r>
               <a:rPr lang="ja-JP" altLang="en-US" dirty="0"/>
               <a:t>ユーティリティパネルの</a:t>
@@ -6860,7 +5715,7 @@
 </p:sld>
 </file>
 
-<file path=ppt/slides/slide18.xml><?xml version="1.0" encoding="utf-8"?>
+<file path=ppt/slides/slide16.xml><?xml version="1.0" encoding="utf-8"?>
 <p:sld xmlns:a="http://schemas.openxmlformats.org/drawingml/2006/main" xmlns:r="http://schemas.openxmlformats.org/officeDocument/2006/relationships" xmlns:p="http://schemas.openxmlformats.org/presentationml/2006/main">
   <p:cSld>
     <p:spTree>
@@ -7006,7 +5861,7 @@
 </p:sld>
 </file>
 
-<file path=ppt/slides/slide19.xml><?xml version="1.0" encoding="utf-8"?>
+<file path=ppt/slides/slide17.xml><?xml version="1.0" encoding="utf-8"?>
 <p:sld xmlns:a="http://schemas.openxmlformats.org/drawingml/2006/main" xmlns:r="http://schemas.openxmlformats.org/officeDocument/2006/relationships" xmlns:p="http://schemas.openxmlformats.org/presentationml/2006/main">
   <p:cSld>
     <p:spTree>
@@ -7085,12 +5940,20 @@
               <a:t>欄に</a:t>
             </a:r>
             <a:r>
-              <a:rPr kumimoji="1" lang="en-US" altLang="ja-JP" dirty="0" err="1"/>
-              <a:t>br_XXX</a:t>
-            </a:r>
-            <a:r>
               <a:rPr kumimoji="1" lang="en-US" altLang="ja-JP" dirty="0"/>
-              <a:t>(?)</a:t>
+              <a:t>if</a:t>
+            </a:r>
+            <a:r>
+              <a:rPr kumimoji="1" lang="ja-JP" altLang="en-US" dirty="0" err="1"/>
+              <a:t>、</a:t>
+            </a:r>
+            <a:r>
+              <a:rPr kumimoji="1" lang="ja-JP" altLang="en-US" dirty="0"/>
+              <a:t>および、</a:t>
+            </a:r>
+            <a:r>
+              <a:rPr kumimoji="1" lang="en-US" altLang="ja-JP" dirty="0"/>
+              <a:t>else </a:t>
             </a:r>
             <a:r>
               <a:rPr kumimoji="1" lang="ja-JP" altLang="en-US" dirty="0"/>
@@ -7254,10 +6117,10 @@
       </p:pic>
       <p:pic>
         <p:nvPicPr>
-          <p:cNvPr id="5" name="図 4">
+          <p:cNvPr id="6" name="図 5">
             <a:extLst>
               <a:ext uri="{FF2B5EF4-FFF2-40B4-BE49-F238E27FC236}">
-                <a16:creationId xmlns:a16="http://schemas.microsoft.com/office/drawing/2014/main" id="{AD46D6EF-F7B7-4932-A261-29B11401787D}"/>
+                <a16:creationId xmlns:a16="http://schemas.microsoft.com/office/drawing/2014/main" id="{54841F88-AE7F-460C-B230-6E774E19ADA2}"/>
               </a:ext>
             </a:extLst>
           </p:cNvPr>
@@ -7274,8 +6137,8 @@
         </p:blipFill>
         <p:spPr>
           <a:xfrm>
-            <a:off x="611560" y="1700808"/>
-            <a:ext cx="3826768" cy="2141730"/>
+            <a:off x="8843" y="1388876"/>
+            <a:ext cx="4371975" cy="2200275"/>
           </a:xfrm>
           <a:prstGeom prst="rect">
             <a:avLst/>
@@ -7349,36 +6212,6 @@
           </a:p>
         </p:txBody>
       </p:sp>
-      <p:pic>
-        <p:nvPicPr>
-          <p:cNvPr id="6" name="図 5">
-            <a:extLst>
-              <a:ext uri="{FF2B5EF4-FFF2-40B4-BE49-F238E27FC236}">
-                <a16:creationId xmlns:a16="http://schemas.microsoft.com/office/drawing/2014/main" id="{81A0228E-26BC-4496-B096-A7DD0A536C60}"/>
-              </a:ext>
-            </a:extLst>
-          </p:cNvPr>
-          <p:cNvPicPr>
-            <a:picLocks noChangeAspect="1"/>
-          </p:cNvPicPr>
-          <p:nvPr/>
-        </p:nvPicPr>
-        <p:blipFill>
-          <a:blip r:embed="rId2"/>
-          <a:stretch>
-            <a:fillRect/>
-          </a:stretch>
-        </p:blipFill>
-        <p:spPr>
-          <a:xfrm>
-            <a:off x="459492" y="1916832"/>
-            <a:ext cx="4886325" cy="2743200"/>
-          </a:xfrm>
-          <a:prstGeom prst="rect">
-            <a:avLst/>
-          </a:prstGeom>
-        </p:spPr>
-      </p:pic>
       <p:sp>
         <p:nvSpPr>
           <p:cNvPr id="7" name="四角形: 角を丸くする 6">
@@ -7422,19 +6255,41 @@
           <a:p>
             <a:r>
               <a:rPr kumimoji="1" lang="ja-JP" altLang="en-US" dirty="0"/>
-              <a:t>新規ステート </a:t>
-            </a:r>
-            <a:r>
-              <a:rPr kumimoji="1" lang="en-US" altLang="ja-JP" dirty="0"/>
-              <a:t>S_0001</a:t>
-            </a:r>
-            <a:r>
-              <a:rPr kumimoji="1" lang="ja-JP" altLang="en-US" dirty="0"/>
-              <a:t>を作成し、左図のように矢印をつなげる。</a:t>
-            </a:r>
-          </a:p>
-        </p:txBody>
-      </p:sp>
+              <a:t>新規ステート を作成し、左図のように矢印をつなげる。</a:t>
+            </a:r>
+          </a:p>
+        </p:txBody>
+      </p:sp>
+      <p:pic>
+        <p:nvPicPr>
+          <p:cNvPr id="3" name="図 2">
+            <a:extLst>
+              <a:ext uri="{FF2B5EF4-FFF2-40B4-BE49-F238E27FC236}">
+                <a16:creationId xmlns:a16="http://schemas.microsoft.com/office/drawing/2014/main" id="{0EFF5479-7217-4CEE-9B16-0ED17D6E5D36}"/>
+              </a:ext>
+            </a:extLst>
+          </p:cNvPr>
+          <p:cNvPicPr>
+            <a:picLocks noChangeAspect="1"/>
+          </p:cNvPicPr>
+          <p:nvPr/>
+        </p:nvPicPr>
+        <p:blipFill>
+          <a:blip r:embed="rId2"/>
+          <a:stretch>
+            <a:fillRect/>
+          </a:stretch>
+        </p:blipFill>
+        <p:spPr>
+          <a:xfrm>
+            <a:off x="611560" y="1797769"/>
+            <a:ext cx="4714875" cy="2981325"/>
+          </a:xfrm>
+          <a:prstGeom prst="rect">
+            <a:avLst/>
+          </a:prstGeom>
+        </p:spPr>
+      </p:pic>
     </p:spTree>
     <p:extLst>
       <p:ext uri="{BB962C8B-B14F-4D97-AF65-F5344CB8AC3E}">
@@ -7465,36 +6320,6 @@
           <a:chExt cx="0" cy="0"/>
         </a:xfrm>
       </p:grpSpPr>
-      <p:pic>
-        <p:nvPicPr>
-          <p:cNvPr id="5" name="図 4">
-            <a:extLst>
-              <a:ext uri="{FF2B5EF4-FFF2-40B4-BE49-F238E27FC236}">
-                <a16:creationId xmlns:a16="http://schemas.microsoft.com/office/drawing/2014/main" id="{1D0483DA-6C18-42B1-87BE-E61715E46D03}"/>
-              </a:ext>
-            </a:extLst>
-          </p:cNvPr>
-          <p:cNvPicPr>
-            <a:picLocks noChangeAspect="1"/>
-          </p:cNvPicPr>
-          <p:nvPr/>
-        </p:nvPicPr>
-        <p:blipFill>
-          <a:blip r:embed="rId2"/>
-          <a:stretch>
-            <a:fillRect/>
-          </a:stretch>
-        </p:blipFill>
-        <p:spPr>
-          <a:xfrm>
-            <a:off x="251520" y="1124744"/>
-            <a:ext cx="5200650" cy="1943100"/>
-          </a:xfrm>
-          <a:prstGeom prst="rect">
-            <a:avLst/>
-          </a:prstGeom>
-        </p:spPr>
-      </p:pic>
       <p:sp>
         <p:nvSpPr>
           <p:cNvPr id="6" name="四角形: 角を丸くする 5">
@@ -7584,6 +6409,36 @@
           </a:p>
         </p:txBody>
       </p:sp>
+      <p:pic>
+        <p:nvPicPr>
+          <p:cNvPr id="2" name="図 1">
+            <a:extLst>
+              <a:ext uri="{FF2B5EF4-FFF2-40B4-BE49-F238E27FC236}">
+                <a16:creationId xmlns:a16="http://schemas.microsoft.com/office/drawing/2014/main" id="{DBB5000A-75CF-46D8-B0ED-F8FE91326043}"/>
+              </a:ext>
+            </a:extLst>
+          </p:cNvPr>
+          <p:cNvPicPr>
+            <a:picLocks noChangeAspect="1"/>
+          </p:cNvPicPr>
+          <p:nvPr/>
+        </p:nvPicPr>
+        <p:blipFill>
+          <a:blip r:embed="rId2"/>
+          <a:stretch>
+            <a:fillRect/>
+          </a:stretch>
+        </p:blipFill>
+        <p:spPr>
+          <a:xfrm>
+            <a:off x="611560" y="692696"/>
+            <a:ext cx="5143500" cy="2038350"/>
+          </a:xfrm>
+          <a:prstGeom prst="rect">
+            <a:avLst/>
+          </a:prstGeom>
+        </p:spPr>
+      </p:pic>
     </p:spTree>
     <p:extLst>
       <p:ext uri="{BB962C8B-B14F-4D97-AF65-F5344CB8AC3E}">
@@ -7651,36 +6506,6 @@
           </a:p>
         </p:txBody>
       </p:sp>
-      <p:pic>
-        <p:nvPicPr>
-          <p:cNvPr id="4" name="図 3">
-            <a:extLst>
-              <a:ext uri="{FF2B5EF4-FFF2-40B4-BE49-F238E27FC236}">
-                <a16:creationId xmlns:a16="http://schemas.microsoft.com/office/drawing/2014/main" id="{26B6B76E-E801-4EEC-BE20-ABF6090E96B5}"/>
-              </a:ext>
-            </a:extLst>
-          </p:cNvPr>
-          <p:cNvPicPr>
-            <a:picLocks noChangeAspect="1"/>
-          </p:cNvPicPr>
-          <p:nvPr/>
-        </p:nvPicPr>
-        <p:blipFill>
-          <a:blip r:embed="rId2"/>
-          <a:stretch>
-            <a:fillRect/>
-          </a:stretch>
-        </p:blipFill>
-        <p:spPr>
-          <a:xfrm>
-            <a:off x="251520" y="1988840"/>
-            <a:ext cx="5124450" cy="2628900"/>
-          </a:xfrm>
-          <a:prstGeom prst="rect">
-            <a:avLst/>
-          </a:prstGeom>
-        </p:spPr>
-      </p:pic>
       <p:sp>
         <p:nvSpPr>
           <p:cNvPr id="5" name="四角形: 角を丸くする 4">
@@ -7695,8 +6520,8 @@
         </p:nvSpPr>
         <p:spPr>
           <a:xfrm>
-            <a:off x="5546938" y="2456892"/>
-            <a:ext cx="3312368" cy="1944216"/>
+            <a:off x="390364" y="4941168"/>
+            <a:ext cx="8363272" cy="1800200"/>
           </a:xfrm>
           <a:prstGeom prst="roundRect">
             <a:avLst/>
@@ -7724,35 +6549,91 @@
           <a:p>
             <a:r>
               <a:rPr lang="ja-JP" altLang="en-US" dirty="0"/>
-              <a:t>分岐のための例として、</a:t>
+              <a:t>分岐例として、０または１の乱数を発生させて変数</a:t>
             </a:r>
             <a:r>
               <a:rPr lang="en-US" altLang="ja-JP" dirty="0"/>
-              <a:t>0</a:t>
+              <a:t>x</a:t>
             </a:r>
             <a:r>
               <a:rPr lang="ja-JP" altLang="en-US" dirty="0"/>
-              <a:t>または１の数字は乱数で決定させる。</a:t>
-            </a:r>
-            <a:endParaRPr lang="en-US" altLang="ja-JP" dirty="0"/>
-          </a:p>
-          <a:p>
-            <a:pPr algn="ctr"/>
-            <a:r>
-              <a:rPr kumimoji="1" lang="en-US" altLang="ja-JP" dirty="0" err="1"/>
-              <a:t>Set_zero_or_one</a:t>
-            </a:r>
-            <a:r>
-              <a:rPr kumimoji="1" lang="en-US" altLang="ja-JP" dirty="0"/>
-              <a:t>()</a:t>
-            </a:r>
-            <a:r>
-              <a:rPr kumimoji="1" lang="ja-JP" altLang="en-US" dirty="0"/>
-              <a:t>がその関数に当たる。</a:t>
-            </a:r>
-          </a:p>
-        </p:txBody>
-      </p:sp>
+              <a:t>に格納する。</a:t>
+            </a:r>
+          </a:p>
+          <a:p>
+            <a:r>
+              <a:rPr lang="en-US" altLang="ja-JP" dirty="0"/>
+              <a:t>vars</a:t>
+            </a:r>
+            <a:r>
+              <a:rPr lang="ja-JP" altLang="en-US" dirty="0"/>
+              <a:t>項目に 　  </a:t>
+            </a:r>
+            <a:r>
+              <a:rPr lang="en-US" altLang="ja-JP" dirty="0"/>
+              <a:t>int x = 0;</a:t>
+            </a:r>
+          </a:p>
+          <a:p>
+            <a:r>
+              <a:rPr lang="en-US" altLang="ja-JP" dirty="0" err="1"/>
+              <a:t>init</a:t>
+            </a:r>
+            <a:r>
+              <a:rPr lang="ja-JP" altLang="en-US" dirty="0"/>
+              <a:t>項目に  　   </a:t>
+            </a:r>
+            <a:r>
+              <a:rPr lang="en-US" altLang="ja-JP" dirty="0"/>
+              <a:t>x = </a:t>
+            </a:r>
+            <a:r>
+              <a:rPr lang="en-US" altLang="ja-JP" dirty="0" err="1"/>
+              <a:t>UnityEngine.Random.Range</a:t>
+            </a:r>
+            <a:r>
+              <a:rPr lang="en-US" altLang="ja-JP" dirty="0"/>
+              <a:t>(0,2);</a:t>
+            </a:r>
+          </a:p>
+          <a:p>
+            <a:r>
+              <a:rPr lang="ja-JP" altLang="en-US" dirty="0"/>
+              <a:t>を設定する。</a:t>
+            </a:r>
+          </a:p>
+        </p:txBody>
+      </p:sp>
+      <p:pic>
+        <p:nvPicPr>
+          <p:cNvPr id="3" name="図 2">
+            <a:extLst>
+              <a:ext uri="{FF2B5EF4-FFF2-40B4-BE49-F238E27FC236}">
+                <a16:creationId xmlns:a16="http://schemas.microsoft.com/office/drawing/2014/main" id="{3105ACE1-D367-4507-8A25-57D6FF2C2EBE}"/>
+              </a:ext>
+            </a:extLst>
+          </p:cNvPr>
+          <p:cNvPicPr>
+            <a:picLocks noChangeAspect="1"/>
+          </p:cNvPicPr>
+          <p:nvPr/>
+        </p:nvPicPr>
+        <p:blipFill>
+          <a:blip r:embed="rId2"/>
+          <a:stretch>
+            <a:fillRect/>
+          </a:stretch>
+        </p:blipFill>
+        <p:spPr>
+          <a:xfrm>
+            <a:off x="1763688" y="3033712"/>
+            <a:ext cx="5305425" cy="790575"/>
+          </a:xfrm>
+          <a:prstGeom prst="rect">
+            <a:avLst/>
+          </a:prstGeom>
+        </p:spPr>
+      </p:pic>
     </p:spTree>
     <p:extLst>
       <p:ext uri="{BB962C8B-B14F-4D97-AF65-F5344CB8AC3E}">
@@ -7904,7 +6785,7 @@
           <a:graphicData uri="http://schemas.openxmlformats.org/presentationml/2006/ole">
             <mc:AlternateContent xmlns:mc="http://schemas.openxmlformats.org/markup-compatibility/2006">
               <mc:Choice xmlns:v="urn:schemas-microsoft-com:vml" Requires="v">
-                <p:oleObj spid="_x0000_s1030" name="Image" r:id="rId3" imgW="3860280" imgH="2818800" progId="Photoshop.Image.9">
+                <p:oleObj spid="_x0000_s1036" name="Image" r:id="rId3" imgW="3860280" imgH="2818800" progId="Photoshop.Image.9">
                   <p:embed/>
                 </p:oleObj>
               </mc:Choice>
@@ -7941,10 +6822,10 @@
       </p:graphicFrame>
       <p:pic>
         <p:nvPicPr>
-          <p:cNvPr id="6" name="図 5">
+          <p:cNvPr id="4" name="図 3">
             <a:extLst>
               <a:ext uri="{FF2B5EF4-FFF2-40B4-BE49-F238E27FC236}">
-                <a16:creationId xmlns:a16="http://schemas.microsoft.com/office/drawing/2014/main" id="{EC3AC60B-4F83-492E-B412-887F7A744936}"/>
+                <a16:creationId xmlns:a16="http://schemas.microsoft.com/office/drawing/2014/main" id="{3C8CF151-F43D-406B-A7C5-69CD841DC511}"/>
               </a:ext>
             </a:extLst>
           </p:cNvPr>
@@ -7961,8 +6842,8 @@
         </p:blipFill>
         <p:spPr>
           <a:xfrm>
-            <a:off x="4424218" y="2443141"/>
-            <a:ext cx="3048000" cy="3990975"/>
+            <a:off x="4716016" y="2606087"/>
+            <a:ext cx="2962275" cy="3838575"/>
           </a:xfrm>
           <a:prstGeom prst="rect">
             <a:avLst/>
@@ -8001,81 +6882,10 @@
       </p:grpSpPr>
       <p:sp>
         <p:nvSpPr>
-          <p:cNvPr id="2" name="タイトル 1">
-            <a:extLst>
-              <a:ext uri="{FF2B5EF4-FFF2-40B4-BE49-F238E27FC236}">
-                <a16:creationId xmlns:a16="http://schemas.microsoft.com/office/drawing/2014/main" id="{9428AF29-E240-4F7A-8DCA-673A275751DB}"/>
-              </a:ext>
-            </a:extLst>
-          </p:cNvPr>
-          <p:cNvSpPr>
-            <a:spLocks noGrp="1"/>
-          </p:cNvSpPr>
-          <p:nvPr>
-            <p:ph type="title"/>
-          </p:nvPr>
-        </p:nvSpPr>
-        <p:spPr/>
-        <p:txBody>
-          <a:bodyPr>
-            <a:normAutofit fontScale="90000"/>
-          </a:bodyPr>
-          <a:lstStyle/>
-          <a:p>
-            <a:r>
-              <a:rPr kumimoji="1" lang="en-US" altLang="ja-JP" dirty="0"/>
-              <a:t>Step 4</a:t>
-            </a:r>
-            <a:br>
-              <a:rPr kumimoji="1" lang="en-US" altLang="ja-JP" dirty="0"/>
-            </a:br>
-            <a:r>
-              <a:rPr kumimoji="1" lang="en-US" altLang="ja-JP" dirty="0"/>
-              <a:t>branch</a:t>
-            </a:r>
-            <a:r>
-              <a:rPr kumimoji="1" lang="ja-JP" altLang="en-US" dirty="0"/>
-              <a:t>欄の記入</a:t>
-            </a:r>
-          </a:p>
-        </p:txBody>
-      </p:sp>
-      <p:pic>
-        <p:nvPicPr>
-          <p:cNvPr id="4" name="図 3">
-            <a:extLst>
-              <a:ext uri="{FF2B5EF4-FFF2-40B4-BE49-F238E27FC236}">
-                <a16:creationId xmlns:a16="http://schemas.microsoft.com/office/drawing/2014/main" id="{1F6080EC-0F62-4A39-A873-995A1F7D4527}"/>
-              </a:ext>
-            </a:extLst>
-          </p:cNvPr>
-          <p:cNvPicPr>
-            <a:picLocks noChangeAspect="1"/>
-          </p:cNvPicPr>
-          <p:nvPr/>
-        </p:nvPicPr>
-        <p:blipFill>
-          <a:blip r:embed="rId2"/>
-          <a:stretch>
-            <a:fillRect/>
-          </a:stretch>
-        </p:blipFill>
-        <p:spPr>
-          <a:xfrm>
-            <a:off x="1120647" y="3140968"/>
-            <a:ext cx="6902706" cy="3528392"/>
-          </a:xfrm>
-          <a:prstGeom prst="rect">
-            <a:avLst/>
-          </a:prstGeom>
-        </p:spPr>
-      </p:pic>
-      <p:sp>
-        <p:nvSpPr>
           <p:cNvPr id="5" name="四角形: 角を丸くする 4">
             <a:extLst>
               <a:ext uri="{FF2B5EF4-FFF2-40B4-BE49-F238E27FC236}">
-                <a16:creationId xmlns:a16="http://schemas.microsoft.com/office/drawing/2014/main" id="{92E84D3A-C542-4A86-A0ED-54352450C9EE}"/>
+                <a16:creationId xmlns:a16="http://schemas.microsoft.com/office/drawing/2014/main" id="{2170C919-9CC6-439B-A9C9-D01BA16FB8D8}"/>
               </a:ext>
             </a:extLst>
           </p:cNvPr>
@@ -8084,8 +6894,8 @@
         </p:nvSpPr>
         <p:spPr>
           <a:xfrm>
-            <a:off x="1694195" y="1772816"/>
-            <a:ext cx="5755610" cy="1143000"/>
+            <a:off x="6948264" y="1844824"/>
+            <a:ext cx="1872208" cy="2376264"/>
           </a:xfrm>
           <a:prstGeom prst="roundRect">
             <a:avLst/>
@@ -8111,21 +6921,49 @@
           <a:bodyPr rtlCol="0" anchor="ctr"/>
           <a:lstStyle/>
           <a:p>
-            <a:r>
-              <a:rPr kumimoji="1" lang="en-US" altLang="ja-JP" dirty="0"/>
-              <a:t>Branch</a:t>
-            </a:r>
-            <a:r>
-              <a:rPr kumimoji="1" lang="ja-JP" altLang="en-US" dirty="0"/>
-              <a:t>欄に、下図のように分岐のコードを記入。</a:t>
-            </a:r>
-          </a:p>
-        </p:txBody>
-      </p:sp>
+            <a:pPr algn="ctr"/>
+            <a:r>
+              <a:rPr lang="ja-JP" altLang="en-US" dirty="0"/>
+              <a:t>ステート図に戻ると左図のようになる。</a:t>
+            </a:r>
+            <a:endParaRPr kumimoji="1" lang="ja-JP" altLang="en-US" dirty="0"/>
+          </a:p>
+        </p:txBody>
+      </p:sp>
+      <p:pic>
+        <p:nvPicPr>
+          <p:cNvPr id="2" name="図 1">
+            <a:extLst>
+              <a:ext uri="{FF2B5EF4-FFF2-40B4-BE49-F238E27FC236}">
+                <a16:creationId xmlns:a16="http://schemas.microsoft.com/office/drawing/2014/main" id="{04951838-7660-4616-A888-DF5E0CF3746B}"/>
+              </a:ext>
+            </a:extLst>
+          </p:cNvPr>
+          <p:cNvPicPr>
+            <a:picLocks noChangeAspect="1"/>
+          </p:cNvPicPr>
+          <p:nvPr/>
+        </p:nvPicPr>
+        <p:blipFill>
+          <a:blip r:embed="rId2"/>
+          <a:stretch>
+            <a:fillRect/>
+          </a:stretch>
+        </p:blipFill>
+        <p:spPr>
+          <a:xfrm>
+            <a:off x="1331640" y="1412776"/>
+            <a:ext cx="4791075" cy="3400425"/>
+          </a:xfrm>
+          <a:prstGeom prst="rect">
+            <a:avLst/>
+          </a:prstGeom>
+        </p:spPr>
+      </p:pic>
     </p:spTree>
     <p:extLst>
       <p:ext uri="{BB962C8B-B14F-4D97-AF65-F5344CB8AC3E}">
-        <p14:creationId xmlns:p14="http://schemas.microsoft.com/office/powerpoint/2010/main" val="94601439"/>
+        <p14:creationId xmlns:p14="http://schemas.microsoft.com/office/powerpoint/2010/main" val="1421484474"/>
       </p:ext>
     </p:extLst>
   </p:cSld>
@@ -8154,10 +6992,155 @@
       </p:grpSpPr>
       <p:sp>
         <p:nvSpPr>
-          <p:cNvPr id="5" name="四角形: 角を丸くする 4">
+          <p:cNvPr id="2" name="タイトル 1">
             <a:extLst>
               <a:ext uri="{FF2B5EF4-FFF2-40B4-BE49-F238E27FC236}">
-                <a16:creationId xmlns:a16="http://schemas.microsoft.com/office/drawing/2014/main" id="{2170C919-9CC6-439B-A9C9-D01BA16FB8D8}"/>
+                <a16:creationId xmlns:a16="http://schemas.microsoft.com/office/drawing/2014/main" id="{D98FCE05-953B-4C66-886A-194D92486FBB}"/>
+              </a:ext>
+            </a:extLst>
+          </p:cNvPr>
+          <p:cNvSpPr>
+            <a:spLocks noGrp="1"/>
+          </p:cNvSpPr>
+          <p:nvPr>
+            <p:ph type="title"/>
+          </p:nvPr>
+        </p:nvSpPr>
+        <p:spPr/>
+        <p:txBody>
+          <a:bodyPr>
+            <a:normAutofit fontScale="90000"/>
+          </a:bodyPr>
+          <a:lstStyle/>
+          <a:p>
+            <a:r>
+              <a:rPr lang="en-US" altLang="ja-JP" dirty="0"/>
+              <a:t>Step 5</a:t>
+            </a:r>
+            <a:br>
+              <a:rPr lang="en-US" altLang="ja-JP" dirty="0"/>
+            </a:br>
+            <a:r>
+              <a:rPr lang="ja-JP" altLang="en-US" dirty="0"/>
+              <a:t>矢印の削除</a:t>
+            </a:r>
+            <a:endParaRPr kumimoji="1" lang="ja-JP" altLang="en-US" dirty="0"/>
+          </a:p>
+        </p:txBody>
+      </p:sp>
+      <p:sp>
+        <p:nvSpPr>
+          <p:cNvPr id="4" name="テキスト ボックス 3">
+            <a:extLst>
+              <a:ext uri="{FF2B5EF4-FFF2-40B4-BE49-F238E27FC236}">
+                <a16:creationId xmlns:a16="http://schemas.microsoft.com/office/drawing/2014/main" id="{9938C262-C484-4A99-9561-83B3450264BD}"/>
+              </a:ext>
+            </a:extLst>
+          </p:cNvPr>
+          <p:cNvSpPr txBox="1"/>
+          <p:nvPr/>
+        </p:nvSpPr>
+        <p:spPr>
+          <a:xfrm>
+            <a:off x="1835696" y="1628800"/>
+            <a:ext cx="5878532" cy="369332"/>
+          </a:xfrm>
+          <a:prstGeom prst="rect">
+            <a:avLst/>
+          </a:prstGeom>
+          <a:noFill/>
+        </p:spPr>
+        <p:txBody>
+          <a:bodyPr wrap="none" rtlCol="0">
+            <a:spAutoFit/>
+          </a:bodyPr>
+          <a:lstStyle/>
+          <a:p>
+            <a:r>
+              <a:rPr lang="ja-JP" altLang="en-US" dirty="0"/>
+              <a:t>分岐用の矢印のみにしたいので、現状の矢印を削除する。</a:t>
+            </a:r>
+            <a:endParaRPr kumimoji="1" lang="ja-JP" altLang="en-US" dirty="0"/>
+          </a:p>
+        </p:txBody>
+      </p:sp>
+      <p:pic>
+        <p:nvPicPr>
+          <p:cNvPr id="5" name="図 4">
+            <a:extLst>
+              <a:ext uri="{FF2B5EF4-FFF2-40B4-BE49-F238E27FC236}">
+                <a16:creationId xmlns:a16="http://schemas.microsoft.com/office/drawing/2014/main" id="{098B99F4-996B-4FCE-A367-8C84041C8989}"/>
+              </a:ext>
+            </a:extLst>
+          </p:cNvPr>
+          <p:cNvPicPr>
+            <a:picLocks noChangeAspect="1"/>
+          </p:cNvPicPr>
+          <p:nvPr/>
+        </p:nvPicPr>
+        <p:blipFill>
+          <a:blip r:embed="rId2"/>
+          <a:stretch>
+            <a:fillRect/>
+          </a:stretch>
+        </p:blipFill>
+        <p:spPr>
+          <a:xfrm>
+            <a:off x="2917588" y="2209295"/>
+            <a:ext cx="1516816" cy="1485702"/>
+          </a:xfrm>
+          <a:prstGeom prst="rect">
+            <a:avLst/>
+          </a:prstGeom>
+        </p:spPr>
+      </p:pic>
+      <p:cxnSp>
+        <p:nvCxnSpPr>
+          <p:cNvPr id="7" name="直線矢印コネクタ 6">
+            <a:extLst>
+              <a:ext uri="{FF2B5EF4-FFF2-40B4-BE49-F238E27FC236}">
+                <a16:creationId xmlns:a16="http://schemas.microsoft.com/office/drawing/2014/main" id="{1BEF04BF-02D7-4957-85B6-D21F68541A58}"/>
+              </a:ext>
+            </a:extLst>
+          </p:cNvPr>
+          <p:cNvCxnSpPr>
+            <a:cxnSpLocks/>
+          </p:cNvCxnSpPr>
+          <p:nvPr/>
+        </p:nvCxnSpPr>
+        <p:spPr>
+          <a:xfrm flipH="1">
+            <a:off x="4434404" y="2636912"/>
+            <a:ext cx="1195402" cy="0"/>
+          </a:xfrm>
+          <a:prstGeom prst="straightConnector1">
+            <a:avLst/>
+          </a:prstGeom>
+          <a:ln w="63500">
+            <a:tailEnd type="triangle"/>
+          </a:ln>
+        </p:spPr>
+        <p:style>
+          <a:lnRef idx="1">
+            <a:schemeClr val="accent1"/>
+          </a:lnRef>
+          <a:fillRef idx="0">
+            <a:schemeClr val="accent1"/>
+          </a:fillRef>
+          <a:effectRef idx="0">
+            <a:schemeClr val="accent1"/>
+          </a:effectRef>
+          <a:fontRef idx="minor">
+            <a:schemeClr val="tx1"/>
+          </a:fontRef>
+        </p:style>
+      </p:cxnSp>
+      <p:sp>
+        <p:nvSpPr>
+          <p:cNvPr id="10" name="四角形: 角を丸くする 9">
+            <a:extLst>
+              <a:ext uri="{FF2B5EF4-FFF2-40B4-BE49-F238E27FC236}">
+                <a16:creationId xmlns:a16="http://schemas.microsoft.com/office/drawing/2014/main" id="{74C6FA8B-0281-413D-AA2E-7C4BC8B91330}"/>
               </a:ext>
             </a:extLst>
           </p:cNvPr>
@@ -8166,12 +7149,15 @@
         </p:nvSpPr>
         <p:spPr>
           <a:xfrm>
-            <a:off x="6948264" y="1844824"/>
-            <a:ext cx="1872208" cy="2376264"/>
+            <a:off x="5435039" y="2209294"/>
+            <a:ext cx="2448272" cy="1485702"/>
           </a:xfrm>
           <a:prstGeom prst="roundRect">
             <a:avLst/>
           </a:prstGeom>
+          <a:ln>
+            <a:noFill/>
+          </a:ln>
         </p:spPr>
         <p:style>
           <a:lnRef idx="2">
@@ -8193,10 +7179,79 @@
           <a:bodyPr rtlCol="0" anchor="ctr"/>
           <a:lstStyle/>
           <a:p>
-            <a:pPr algn="ctr"/>
             <a:r>
               <a:rPr lang="ja-JP" altLang="en-US" dirty="0"/>
-              <a:t>ステート図に戻ると左図のようになる。</a:t>
+              <a:t>この赤点をダブルクリック。</a:t>
+            </a:r>
+            <a:endParaRPr kumimoji="1" lang="ja-JP" altLang="en-US" dirty="0"/>
+          </a:p>
+        </p:txBody>
+      </p:sp>
+      <p:sp>
+        <p:nvSpPr>
+          <p:cNvPr id="12" name="四角形: 角を丸くする 11">
+            <a:extLst>
+              <a:ext uri="{FF2B5EF4-FFF2-40B4-BE49-F238E27FC236}">
+                <a16:creationId xmlns:a16="http://schemas.microsoft.com/office/drawing/2014/main" id="{BD5F1D17-D741-4FB2-980E-B5EC253FD5E7}"/>
+              </a:ext>
+            </a:extLst>
+          </p:cNvPr>
+          <p:cNvSpPr/>
+          <p:nvPr/>
+        </p:nvSpPr>
+        <p:spPr>
+          <a:xfrm>
+            <a:off x="5868144" y="3906158"/>
+            <a:ext cx="2818656" cy="1485702"/>
+          </a:xfrm>
+          <a:prstGeom prst="roundRect">
+            <a:avLst/>
+          </a:prstGeom>
+          <a:ln>
+            <a:noFill/>
+          </a:ln>
+        </p:spPr>
+        <p:style>
+          <a:lnRef idx="2">
+            <a:schemeClr val="accent1">
+              <a:shade val="50000"/>
+            </a:schemeClr>
+          </a:lnRef>
+          <a:fillRef idx="1">
+            <a:schemeClr val="accent1"/>
+          </a:fillRef>
+          <a:effectRef idx="0">
+            <a:schemeClr val="accent1"/>
+          </a:effectRef>
+          <a:fontRef idx="minor">
+            <a:schemeClr val="lt1"/>
+          </a:fontRef>
+        </p:style>
+        <p:txBody>
+          <a:bodyPr rtlCol="0" anchor="ctr"/>
+          <a:lstStyle/>
+          <a:p>
+            <a:r>
+              <a:rPr lang="ja-JP" altLang="en-US" dirty="0"/>
+              <a:t>行先選択用のダイアログ表示される。</a:t>
+            </a:r>
+            <a:endParaRPr lang="en-US" altLang="ja-JP" dirty="0"/>
+          </a:p>
+          <a:p>
+            <a:endParaRPr kumimoji="1" lang="en-US" altLang="ja-JP" dirty="0"/>
+          </a:p>
+          <a:p>
+            <a:r>
+              <a:rPr lang="en-US" altLang="ja-JP" dirty="0"/>
+              <a:t>Clear</a:t>
+            </a:r>
+            <a:r>
+              <a:rPr lang="ja-JP" altLang="en-US" dirty="0"/>
+              <a:t>して</a:t>
+            </a:r>
+            <a:r>
+              <a:rPr lang="en-US" altLang="ja-JP" dirty="0"/>
+              <a:t>OK</a:t>
             </a:r>
             <a:endParaRPr kumimoji="1" lang="ja-JP" altLang="en-US" dirty="0"/>
           </a:p>
@@ -8207,7 +7262,7 @@
           <p:cNvPr id="3" name="図 2">
             <a:extLst>
               <a:ext uri="{FF2B5EF4-FFF2-40B4-BE49-F238E27FC236}">
-                <a16:creationId xmlns:a16="http://schemas.microsoft.com/office/drawing/2014/main" id="{31C51EBE-0804-40C5-82DB-18B534719227}"/>
+                <a16:creationId xmlns:a16="http://schemas.microsoft.com/office/drawing/2014/main" id="{D72958B4-5E96-4FA7-BDDF-425FDE2464C0}"/>
               </a:ext>
             </a:extLst>
           </p:cNvPr>
@@ -8217,25 +7272,77 @@
           <p:nvPr/>
         </p:nvPicPr>
         <p:blipFill>
-          <a:blip r:embed="rId2"/>
+          <a:blip r:embed="rId3"/>
           <a:stretch>
             <a:fillRect/>
           </a:stretch>
         </p:blipFill>
         <p:spPr>
           <a:xfrm>
-            <a:off x="179512" y="1196752"/>
-            <a:ext cx="6600825" cy="4238625"/>
+            <a:off x="1324571" y="3906159"/>
+            <a:ext cx="4110468" cy="2867768"/>
           </a:xfrm>
           <a:prstGeom prst="rect">
             <a:avLst/>
           </a:prstGeom>
         </p:spPr>
       </p:pic>
+      <p:sp>
+        <p:nvSpPr>
+          <p:cNvPr id="6" name="正方形/長方形 5">
+            <a:extLst>
+              <a:ext uri="{FF2B5EF4-FFF2-40B4-BE49-F238E27FC236}">
+                <a16:creationId xmlns:a16="http://schemas.microsoft.com/office/drawing/2014/main" id="{4A49ED29-8E5C-4429-93AE-95A205EEE376}"/>
+              </a:ext>
+            </a:extLst>
+          </p:cNvPr>
+          <p:cNvSpPr/>
+          <p:nvPr/>
+        </p:nvSpPr>
+        <p:spPr>
+          <a:xfrm>
+            <a:off x="4788024" y="5013176"/>
+            <a:ext cx="576064" cy="288000"/>
+          </a:xfrm>
+          <a:prstGeom prst="rect">
+            <a:avLst/>
+          </a:prstGeom>
+          <a:noFill/>
+          <a:ln>
+            <a:solidFill>
+              <a:srgbClr val="FF0000"/>
+            </a:solidFill>
+          </a:ln>
+        </p:spPr>
+        <p:style>
+          <a:lnRef idx="2">
+            <a:schemeClr val="accent1">
+              <a:shade val="50000"/>
+            </a:schemeClr>
+          </a:lnRef>
+          <a:fillRef idx="1">
+            <a:schemeClr val="accent1"/>
+          </a:fillRef>
+          <a:effectRef idx="0">
+            <a:schemeClr val="accent1"/>
+          </a:effectRef>
+          <a:fontRef idx="minor">
+            <a:schemeClr val="lt1"/>
+          </a:fontRef>
+        </p:style>
+        <p:txBody>
+          <a:bodyPr rtlCol="0" anchor="ctr"/>
+          <a:lstStyle/>
+          <a:p>
+            <a:pPr algn="ctr"/>
+            <a:endParaRPr kumimoji="1" lang="ja-JP" altLang="en-US"/>
+          </a:p>
+        </p:txBody>
+      </p:sp>
     </p:spTree>
     <p:extLst>
       <p:ext uri="{BB962C8B-B14F-4D97-AF65-F5344CB8AC3E}">
-        <p14:creationId xmlns:p14="http://schemas.microsoft.com/office/powerpoint/2010/main" val="1421484474"/>
+        <p14:creationId xmlns:p14="http://schemas.microsoft.com/office/powerpoint/2010/main" val="4020028891"/>
       </p:ext>
     </p:extLst>
   </p:cSld>
@@ -8262,86 +7369,12 @@
           <a:chExt cx="0" cy="0"/>
         </a:xfrm>
       </p:grpSpPr>
-      <p:sp>
-        <p:nvSpPr>
-          <p:cNvPr id="2" name="タイトル 1">
+      <p:pic>
+        <p:nvPicPr>
+          <p:cNvPr id="2" name="図 1">
             <a:extLst>
               <a:ext uri="{FF2B5EF4-FFF2-40B4-BE49-F238E27FC236}">
-                <a16:creationId xmlns:a16="http://schemas.microsoft.com/office/drawing/2014/main" id="{D98FCE05-953B-4C66-886A-194D92486FBB}"/>
-              </a:ext>
-            </a:extLst>
-          </p:cNvPr>
-          <p:cNvSpPr>
-            <a:spLocks noGrp="1"/>
-          </p:cNvSpPr>
-          <p:nvPr>
-            <p:ph type="title"/>
-          </p:nvPr>
-        </p:nvSpPr>
-        <p:spPr/>
-        <p:txBody>
-          <a:bodyPr>
-            <a:normAutofit fontScale="90000"/>
-          </a:bodyPr>
-          <a:lstStyle/>
-          <a:p>
-            <a:r>
-              <a:rPr lang="en-US" altLang="ja-JP" dirty="0"/>
-              <a:t>Step 5</a:t>
-            </a:r>
-            <a:br>
-              <a:rPr lang="en-US" altLang="ja-JP" dirty="0"/>
-            </a:br>
-            <a:r>
-              <a:rPr lang="ja-JP" altLang="en-US" dirty="0"/>
-              <a:t>矢印の削除</a:t>
-            </a:r>
-            <a:endParaRPr kumimoji="1" lang="ja-JP" altLang="en-US" dirty="0"/>
-          </a:p>
-        </p:txBody>
-      </p:sp>
-      <p:sp>
-        <p:nvSpPr>
-          <p:cNvPr id="4" name="テキスト ボックス 3">
-            <a:extLst>
-              <a:ext uri="{FF2B5EF4-FFF2-40B4-BE49-F238E27FC236}">
-                <a16:creationId xmlns:a16="http://schemas.microsoft.com/office/drawing/2014/main" id="{9938C262-C484-4A99-9561-83B3450264BD}"/>
-              </a:ext>
-            </a:extLst>
-          </p:cNvPr>
-          <p:cNvSpPr txBox="1"/>
-          <p:nvPr/>
-        </p:nvSpPr>
-        <p:spPr>
-          <a:xfrm>
-            <a:off x="1835696" y="1628800"/>
-            <a:ext cx="5878532" cy="369332"/>
-          </a:xfrm>
-          <a:prstGeom prst="rect">
-            <a:avLst/>
-          </a:prstGeom>
-          <a:noFill/>
-        </p:spPr>
-        <p:txBody>
-          <a:bodyPr wrap="none" rtlCol="0">
-            <a:spAutoFit/>
-          </a:bodyPr>
-          <a:lstStyle/>
-          <a:p>
-            <a:r>
-              <a:rPr lang="ja-JP" altLang="en-US" dirty="0"/>
-              <a:t>分岐用の矢印のみにしたいので、現状の矢印を削除する。</a:t>
-            </a:r>
-            <a:endParaRPr kumimoji="1" lang="ja-JP" altLang="en-US" dirty="0"/>
-          </a:p>
-        </p:txBody>
-      </p:sp>
-      <p:pic>
-        <p:nvPicPr>
-          <p:cNvPr id="5" name="図 4">
-            <a:extLst>
-              <a:ext uri="{FF2B5EF4-FFF2-40B4-BE49-F238E27FC236}">
-                <a16:creationId xmlns:a16="http://schemas.microsoft.com/office/drawing/2014/main" id="{098B99F4-996B-4FCE-A367-8C84041C8989}"/>
+                <a16:creationId xmlns:a16="http://schemas.microsoft.com/office/drawing/2014/main" id="{44928194-D8CD-46B4-B090-8468B320419E}"/>
               </a:ext>
             </a:extLst>
           </p:cNvPr>
@@ -8358,61 +7391,20 @@
         </p:blipFill>
         <p:spPr>
           <a:xfrm>
-            <a:off x="2917587" y="2519362"/>
-            <a:ext cx="1857375" cy="1819275"/>
+            <a:off x="1187624" y="2371725"/>
+            <a:ext cx="2038350" cy="2114550"/>
           </a:xfrm>
           <a:prstGeom prst="rect">
             <a:avLst/>
           </a:prstGeom>
         </p:spPr>
       </p:pic>
-      <p:cxnSp>
-        <p:nvCxnSpPr>
-          <p:cNvPr id="7" name="直線矢印コネクタ 6">
+      <p:sp>
+        <p:nvSpPr>
+          <p:cNvPr id="6" name="矢印: 左 5">
             <a:extLst>
               <a:ext uri="{FF2B5EF4-FFF2-40B4-BE49-F238E27FC236}">
-                <a16:creationId xmlns:a16="http://schemas.microsoft.com/office/drawing/2014/main" id="{1BEF04BF-02D7-4957-85B6-D21F68541A58}"/>
-              </a:ext>
-            </a:extLst>
-          </p:cNvPr>
-          <p:cNvCxnSpPr>
-            <a:cxnSpLocks/>
-          </p:cNvCxnSpPr>
-          <p:nvPr/>
-        </p:nvCxnSpPr>
-        <p:spPr>
-          <a:xfrm flipH="1">
-            <a:off x="4600734" y="3068960"/>
-            <a:ext cx="1195402" cy="0"/>
-          </a:xfrm>
-          <a:prstGeom prst="straightConnector1">
-            <a:avLst/>
-          </a:prstGeom>
-          <a:ln w="63500">
-            <a:tailEnd type="triangle"/>
-          </a:ln>
-        </p:spPr>
-        <p:style>
-          <a:lnRef idx="1">
-            <a:schemeClr val="accent1"/>
-          </a:lnRef>
-          <a:fillRef idx="0">
-            <a:schemeClr val="accent1"/>
-          </a:fillRef>
-          <a:effectRef idx="0">
-            <a:schemeClr val="accent1"/>
-          </a:effectRef>
-          <a:fontRef idx="minor">
-            <a:schemeClr val="tx1"/>
-          </a:fontRef>
-        </p:style>
-      </p:cxnSp>
-      <p:sp>
-        <p:nvSpPr>
-          <p:cNvPr id="10" name="四角形: 角を丸くする 9">
-            <a:extLst>
-              <a:ext uri="{FF2B5EF4-FFF2-40B4-BE49-F238E27FC236}">
-                <a16:creationId xmlns:a16="http://schemas.microsoft.com/office/drawing/2014/main" id="{74C6FA8B-0281-413D-AA2E-7C4BC8B91330}"/>
+                <a16:creationId xmlns:a16="http://schemas.microsoft.com/office/drawing/2014/main" id="{8F858C0D-DCF5-41FC-9138-1D4746398AA3}"/>
               </a:ext>
             </a:extLst>
           </p:cNvPr>
@@ -8421,10 +7413,10 @@
         </p:nvSpPr>
         <p:spPr>
           <a:xfrm>
-            <a:off x="5652120" y="2519362"/>
-            <a:ext cx="2448272" cy="1485702"/>
-          </a:xfrm>
-          <a:prstGeom prst="roundRect">
+            <a:off x="3327296" y="2852936"/>
+            <a:ext cx="1584176" cy="576064"/>
+          </a:xfrm>
+          <a:prstGeom prst="leftArrow">
             <a:avLst/>
           </a:prstGeom>
           <a:ln>
@@ -8451,50 +7443,17 @@
           <a:bodyPr rtlCol="0" anchor="ctr"/>
           <a:lstStyle/>
           <a:p>
-            <a:r>
-              <a:rPr lang="ja-JP" altLang="en-US" dirty="0"/>
-              <a:t>この赤点をダブルクリック。</a:t>
-            </a:r>
-            <a:endParaRPr kumimoji="1" lang="ja-JP" altLang="en-US" dirty="0"/>
-          </a:p>
-        </p:txBody>
-      </p:sp>
-      <p:pic>
-        <p:nvPicPr>
-          <p:cNvPr id="11" name="図 10">
+            <a:pPr algn="ctr"/>
+            <a:endParaRPr kumimoji="1" lang="ja-JP" altLang="en-US"/>
+          </a:p>
+        </p:txBody>
+      </p:sp>
+      <p:sp>
+        <p:nvSpPr>
+          <p:cNvPr id="5" name="四角形: 角を丸くする 4">
             <a:extLst>
               <a:ext uri="{FF2B5EF4-FFF2-40B4-BE49-F238E27FC236}">
-                <a16:creationId xmlns:a16="http://schemas.microsoft.com/office/drawing/2014/main" id="{9CDBC09D-5305-400E-B4B2-88395384F127}"/>
-              </a:ext>
-            </a:extLst>
-          </p:cNvPr>
-          <p:cNvPicPr>
-            <a:picLocks noChangeAspect="1"/>
-          </p:cNvPicPr>
-          <p:nvPr/>
-        </p:nvPicPr>
-        <p:blipFill>
-          <a:blip r:embed="rId3"/>
-          <a:stretch>
-            <a:fillRect/>
-          </a:stretch>
-        </p:blipFill>
-        <p:spPr>
-          <a:xfrm>
-            <a:off x="2267744" y="4504135"/>
-            <a:ext cx="3254301" cy="2322702"/>
-          </a:xfrm>
-          <a:prstGeom prst="rect">
-            <a:avLst/>
-          </a:prstGeom>
-        </p:spPr>
-      </p:pic>
-      <p:sp>
-        <p:nvSpPr>
-          <p:cNvPr id="12" name="四角形: 角を丸くする 11">
-            <a:extLst>
-              <a:ext uri="{FF2B5EF4-FFF2-40B4-BE49-F238E27FC236}">
-                <a16:creationId xmlns:a16="http://schemas.microsoft.com/office/drawing/2014/main" id="{BD5F1D17-D741-4FB2-980E-B5EC253FD5E7}"/>
+                <a16:creationId xmlns:a16="http://schemas.microsoft.com/office/drawing/2014/main" id="{70018789-48DD-4AFB-9D86-42490DF399D3}"/>
               </a:ext>
             </a:extLst>
           </p:cNvPr>
@@ -8503,8 +7462,8 @@
         </p:nvSpPr>
         <p:spPr>
           <a:xfrm>
-            <a:off x="6084168" y="4922635"/>
-            <a:ext cx="2448272" cy="1485702"/>
+            <a:off x="4283968" y="2583180"/>
+            <a:ext cx="3312368" cy="1193827"/>
           </a:xfrm>
           <a:prstGeom prst="roundRect">
             <a:avLst/>
@@ -8534,17 +7493,24 @@
           <a:lstStyle/>
           <a:p>
             <a:r>
+              <a:rPr kumimoji="1" lang="ja-JP" altLang="en-US" dirty="0"/>
+              <a:t>ここにあった赤点が</a:t>
+            </a:r>
+            <a:r>
               <a:rPr lang="ja-JP" altLang="en-US" dirty="0"/>
-              <a:t>行先選択用のダイアログ表示。</a:t>
-            </a:r>
-            <a:endParaRPr kumimoji="1" lang="ja-JP" altLang="en-US" dirty="0"/>
+              <a:t>矢印と一緒に</a:t>
+            </a:r>
+            <a:r>
+              <a:rPr kumimoji="1" lang="ja-JP" altLang="en-US" dirty="0"/>
+              <a:t>消える。</a:t>
+            </a:r>
           </a:p>
         </p:txBody>
       </p:sp>
     </p:spTree>
     <p:extLst>
       <p:ext uri="{BB962C8B-B14F-4D97-AF65-F5344CB8AC3E}">
-        <p14:creationId xmlns:p14="http://schemas.microsoft.com/office/powerpoint/2010/main" val="4020028891"/>
+        <p14:creationId xmlns:p14="http://schemas.microsoft.com/office/powerpoint/2010/main" val="1635609784"/>
       </p:ext>
     </p:extLst>
   </p:cSld>
